--- a/ElasticFun/ElasticSearchBasics.pptx
+++ b/ElasticFun/ElasticSearchBasics.pptx
@@ -37,8 +37,8 @@
     <p:sldId id="486" r:id="rId28"/>
     <p:sldId id="487" r:id="rId29"/>
     <p:sldId id="460" r:id="rId30"/>
-    <p:sldId id="461" r:id="rId31"/>
-    <p:sldId id="488" r:id="rId32"/>
+    <p:sldId id="488" r:id="rId31"/>
+    <p:sldId id="461" r:id="rId32"/>
     <p:sldId id="489" r:id="rId33"/>
     <p:sldId id="490" r:id="rId34"/>
     <p:sldId id="491" r:id="rId35"/>
@@ -250,7 +250,7 @@
           <a:p>
             <a:fld id="{0B788E3A-0CEA-3146-A711-636E7250F5ED}" type="datetimeFigureOut">
               <a:rPr lang="en-US" smtClean="0"/>
-              <a:t>1/31/2017</a:t>
+              <a:t>2/1/2017</a:t>
             </a:fld>
             <a:endParaRPr lang="en-US"/>
           </a:p>
@@ -2729,15 +2729,7 @@
                   <a:schemeClr val="tx1"/>
                 </a:solidFill>
               </a:rPr>
-              <a:t>PUT </a:t>
-            </a:r>
-            <a:r>
-              <a:rPr lang="en-US" sz="4000" dirty="0">
-                <a:solidFill>
-                  <a:schemeClr val="tx1"/>
-                </a:solidFill>
-              </a:rPr>
-              <a:t>/index</a:t>
+              <a:t>PUT /index</a:t>
             </a:r>
             <a:r>
               <a:rPr lang="en-US" sz="4000" dirty="0">
@@ -2819,15 +2811,7 @@
                   <a:schemeClr val="tx1"/>
                 </a:solidFill>
               </a:rPr>
-              <a:t>PUT </a:t>
-            </a:r>
-            <a:r>
-              <a:rPr lang="en-US" sz="4000" dirty="0">
-                <a:solidFill>
-                  <a:schemeClr val="tx1"/>
-                </a:solidFill>
-              </a:rPr>
-              <a:t>/index/type</a:t>
+              <a:t>PUT /index/type</a:t>
             </a:r>
             <a:r>
               <a:rPr lang="en-US" sz="4000" dirty="0">
@@ -4500,29 +4484,6 @@
       </p:grpSpPr>
       <p:sp>
         <p:nvSpPr>
-          <p:cNvPr id="2" name="Title 1"/>
-          <p:cNvSpPr>
-            <a:spLocks noGrp="1"/>
-          </p:cNvSpPr>
-          <p:nvPr>
-            <p:ph type="title"/>
-          </p:nvPr>
-        </p:nvSpPr>
-        <p:spPr/>
-        <p:txBody>
-          <a:bodyPr/>
-          <a:lstStyle/>
-          <a:p>
-            <a:r>
-              <a:rPr lang="en-US" dirty="0" smtClean="0"/>
-              <a:t>Now lets ask some questions</a:t>
-            </a:r>
-            <a:endParaRPr lang="en-US" dirty="0"/>
-          </a:p>
-        </p:txBody>
-      </p:sp>
-      <p:sp>
-        <p:nvSpPr>
           <p:cNvPr id="3" name="Text Placeholder 2"/>
           <p:cNvSpPr>
             <a:spLocks noGrp="1"/>
@@ -4533,97 +4494,27 @@
         </p:nvSpPr>
         <p:spPr/>
         <p:txBody>
-          <a:bodyPr/>
+          <a:bodyPr anchor="ctr"/>
           <a:lstStyle/>
           <a:p>
             <a:pPr marL="0" indent="0" algn="ctr">
               <a:buNone/>
             </a:pPr>
             <a:r>
-              <a:rPr lang="en-US" sz="2000" dirty="0"/>
-              <a:t>GET /_</a:t>
-            </a:r>
-            <a:r>
-              <a:rPr lang="en-US" sz="2000" dirty="0" smtClean="0"/>
-              <a:t>search</a:t>
-            </a:r>
-          </a:p>
-          <a:p>
-            <a:pPr marL="0" indent="0" algn="ctr">
-              <a:buNone/>
-            </a:pPr>
-            <a:r>
-              <a:rPr lang="en-US" sz="2000" dirty="0"/>
-              <a:t> GET /index/_search</a:t>
-            </a:r>
-          </a:p>
-          <a:p>
-            <a:pPr marL="0" indent="0" algn="ctr">
-              <a:buNone/>
-            </a:pPr>
-            <a:r>
-              <a:rPr lang="en-US" sz="2000" dirty="0"/>
-              <a:t> GET /</a:t>
-            </a:r>
-            <a:r>
-              <a:rPr lang="en-US" sz="2000" dirty="0" smtClean="0"/>
-              <a:t>index/type/_search</a:t>
-            </a:r>
-          </a:p>
-          <a:p>
-            <a:pPr marL="0" indent="0" algn="ctr">
-              <a:buNone/>
-            </a:pPr>
-            <a:r>
-              <a:rPr lang="en-US" sz="2000" dirty="0"/>
-              <a:t>GET /index1,index2/_search</a:t>
-            </a:r>
-          </a:p>
-          <a:p>
-            <a:pPr marL="0" indent="0" algn="ctr">
-              <a:buNone/>
-            </a:pPr>
-            <a:r>
-              <a:rPr lang="en-US" sz="2000" dirty="0"/>
-              <a:t>GET /</a:t>
-            </a:r>
-            <a:r>
-              <a:rPr lang="en-US" sz="2000" dirty="0" err="1" smtClean="0"/>
-              <a:t>ind</a:t>
-            </a:r>
-            <a:r>
-              <a:rPr lang="en-US" sz="2000" dirty="0" smtClean="0"/>
-              <a:t>*/_</a:t>
-            </a:r>
-            <a:r>
-              <a:rPr lang="en-US" sz="2000" dirty="0"/>
-              <a:t>search</a:t>
-            </a:r>
-          </a:p>
-          <a:p>
-            <a:pPr marL="0" indent="0" algn="ctr">
-              <a:buNone/>
-            </a:pPr>
-            <a:r>
-              <a:rPr lang="en-US" sz="2000" dirty="0"/>
-              <a:t>GET /index/type1,type2/_search</a:t>
-            </a:r>
-          </a:p>
-          <a:p>
-            <a:pPr marL="0" indent="0">
-              <a:buNone/>
-            </a:pPr>
-            <a:endParaRPr lang="en-US" dirty="0" smtClean="0"/>
-          </a:p>
-          <a:p>
-            <a:endParaRPr lang="en-US" dirty="0"/>
+              <a:rPr lang="en-US" sz="4000" dirty="0">
+                <a:solidFill>
+                  <a:srgbClr val="0070C0"/>
+                </a:solidFill>
+              </a:rPr>
+              <a:t>Search Lite</a:t>
+            </a:r>
           </a:p>
         </p:txBody>
       </p:sp>
     </p:spTree>
     <p:extLst>
       <p:ext uri="{BB962C8B-B14F-4D97-AF65-F5344CB8AC3E}">
-        <p14:creationId xmlns:p14="http://schemas.microsoft.com/office/powerpoint/2010/main" val="1357517379"/>
+        <p14:creationId xmlns:p14="http://schemas.microsoft.com/office/powerpoint/2010/main" val="1280234399"/>
       </p:ext>
     </p:extLst>
   </p:cSld>
@@ -4659,6 +4550,29 @@
       </p:grpSpPr>
       <p:sp>
         <p:nvSpPr>
+          <p:cNvPr id="2" name="Title 1"/>
+          <p:cNvSpPr>
+            <a:spLocks noGrp="1"/>
+          </p:cNvSpPr>
+          <p:nvPr>
+            <p:ph type="title"/>
+          </p:nvPr>
+        </p:nvSpPr>
+        <p:spPr/>
+        <p:txBody>
+          <a:bodyPr/>
+          <a:lstStyle/>
+          <a:p>
+            <a:r>
+              <a:rPr lang="en-US" dirty="0" smtClean="0"/>
+              <a:t>Now lets ask some questions</a:t>
+            </a:r>
+            <a:endParaRPr lang="en-US" dirty="0"/>
+          </a:p>
+        </p:txBody>
+      </p:sp>
+      <p:sp>
+        <p:nvSpPr>
           <p:cNvPr id="3" name="Text Placeholder 2"/>
           <p:cNvSpPr>
             <a:spLocks noGrp="1"/>
@@ -4669,27 +4583,97 @@
         </p:nvSpPr>
         <p:spPr/>
         <p:txBody>
-          <a:bodyPr anchor="ctr"/>
+          <a:bodyPr/>
           <a:lstStyle/>
           <a:p>
             <a:pPr marL="0" indent="0" algn="ctr">
               <a:buNone/>
             </a:pPr>
             <a:r>
-              <a:rPr lang="en-US" sz="4000" dirty="0">
-                <a:solidFill>
-                  <a:srgbClr val="0070C0"/>
-                </a:solidFill>
-              </a:rPr>
-              <a:t>Search Lite</a:t>
-            </a:r>
+              <a:rPr lang="en-US" sz="2000" dirty="0"/>
+              <a:t>GET /_</a:t>
+            </a:r>
+            <a:r>
+              <a:rPr lang="en-US" sz="2000" dirty="0" smtClean="0"/>
+              <a:t>search</a:t>
+            </a:r>
+          </a:p>
+          <a:p>
+            <a:pPr marL="0" indent="0" algn="ctr">
+              <a:buNone/>
+            </a:pPr>
+            <a:r>
+              <a:rPr lang="en-US" sz="2000" dirty="0"/>
+              <a:t> GET /index/_search</a:t>
+            </a:r>
+          </a:p>
+          <a:p>
+            <a:pPr marL="0" indent="0" algn="ctr">
+              <a:buNone/>
+            </a:pPr>
+            <a:r>
+              <a:rPr lang="en-US" sz="2000" dirty="0"/>
+              <a:t> GET /</a:t>
+            </a:r>
+            <a:r>
+              <a:rPr lang="en-US" sz="2000" dirty="0" smtClean="0"/>
+              <a:t>index/type/_search</a:t>
+            </a:r>
+          </a:p>
+          <a:p>
+            <a:pPr marL="0" indent="0" algn="ctr">
+              <a:buNone/>
+            </a:pPr>
+            <a:r>
+              <a:rPr lang="en-US" sz="2000" dirty="0"/>
+              <a:t>GET /index1,index2/_search</a:t>
+            </a:r>
+          </a:p>
+          <a:p>
+            <a:pPr marL="0" indent="0" algn="ctr">
+              <a:buNone/>
+            </a:pPr>
+            <a:r>
+              <a:rPr lang="en-US" sz="2000" dirty="0"/>
+              <a:t>GET /</a:t>
+            </a:r>
+            <a:r>
+              <a:rPr lang="en-US" sz="2000" dirty="0" err="1" smtClean="0"/>
+              <a:t>ind</a:t>
+            </a:r>
+            <a:r>
+              <a:rPr lang="en-US" sz="2000" dirty="0" smtClean="0"/>
+              <a:t>*/_</a:t>
+            </a:r>
+            <a:r>
+              <a:rPr lang="en-US" sz="2000" dirty="0"/>
+              <a:t>search</a:t>
+            </a:r>
+          </a:p>
+          <a:p>
+            <a:pPr marL="0" indent="0" algn="ctr">
+              <a:buNone/>
+            </a:pPr>
+            <a:r>
+              <a:rPr lang="en-US" sz="2000" dirty="0"/>
+              <a:t>GET /index/type1,type2/_search</a:t>
+            </a:r>
+          </a:p>
+          <a:p>
+            <a:pPr marL="0" indent="0">
+              <a:buNone/>
+            </a:pPr>
+            <a:endParaRPr lang="en-US" dirty="0" smtClean="0"/>
+          </a:p>
+          <a:p>
+            <a:endParaRPr lang="en-US" dirty="0"/>
           </a:p>
         </p:txBody>
       </p:sp>
     </p:spTree>
     <p:extLst>
       <p:ext uri="{BB962C8B-B14F-4D97-AF65-F5344CB8AC3E}">
-        <p14:creationId xmlns:p14="http://schemas.microsoft.com/office/powerpoint/2010/main" val="1280234399"/>
+        <p14:creationId xmlns:p14="http://schemas.microsoft.com/office/powerpoint/2010/main" val="1357517379"/>
       </p:ext>
     </p:extLst>
   </p:cSld>
@@ -5022,7 +5006,9 @@
         </p:nvSpPr>
         <p:spPr/>
         <p:txBody>
-          <a:bodyPr anchor="ctr"/>
+          <a:bodyPr anchor="ctr">
+            <a:normAutofit/>
+          </a:bodyPr>
           <a:lstStyle/>
           <a:p>
             <a:pPr marL="0" indent="0">
@@ -5035,12 +5021,20 @@
               <a:buNone/>
             </a:pPr>
             <a:r>
+              <a:rPr lang="en-US" sz="4000" dirty="0">
+                <a:solidFill>
+                  <a:srgbClr val="0070C0"/>
+                </a:solidFill>
+              </a:rPr>
+              <a:t>Anatomy of an </a:t>
+            </a:r>
+            <a:r>
               <a:rPr lang="en-US" sz="4000" dirty="0" smtClean="0">
                 <a:solidFill>
                   <a:srgbClr val="0070C0"/>
                 </a:solidFill>
               </a:rPr>
-              <a:t>Analysis</a:t>
+              <a:t>analyzer</a:t>
             </a:r>
           </a:p>
           <a:p>
@@ -5048,16 +5042,42 @@
               <a:buNone/>
             </a:pPr>
             <a:r>
-              <a:rPr lang="en-US" sz="4000" dirty="0">
-                <a:solidFill>
-                  <a:schemeClr val="tx1"/>
-                </a:solidFill>
-              </a:rPr>
-              <a:t>tokenization + normalization</a:t>
-            </a:r>
-          </a:p>
-          <a:p>
-            <a:endParaRPr lang="en-US" dirty="0"/>
+              <a:rPr lang="en-US" sz="2200" dirty="0"/>
+              <a:t>An </a:t>
+            </a:r>
+            <a:r>
+              <a:rPr lang="en-US" sz="2200" i="1" dirty="0"/>
+              <a:t>analyzer</a:t>
+            </a:r>
+            <a:r>
+              <a:rPr lang="en-US" sz="2200" dirty="0"/>
+              <a:t>  — whether built-in or custom — is just a package which contains three lower-level building blocks: </a:t>
+            </a:r>
+            <a:r>
+              <a:rPr lang="en-US" sz="2200" i="1" dirty="0"/>
+              <a:t>character filters</a:t>
+            </a:r>
+            <a:r>
+              <a:rPr lang="en-US" sz="2200" dirty="0"/>
+              <a:t>, </a:t>
+            </a:r>
+            <a:r>
+              <a:rPr lang="en-US" sz="2200" i="1" dirty="0"/>
+              <a:t>tokenizers</a:t>
+            </a:r>
+            <a:r>
+              <a:rPr lang="en-US" sz="2200" dirty="0"/>
+              <a:t>, and </a:t>
+            </a:r>
+            <a:r>
+              <a:rPr lang="en-US" sz="2200" i="1" dirty="0"/>
+              <a:t>token filters</a:t>
+            </a:r>
+            <a:r>
+              <a:rPr lang="en-US" sz="2200" dirty="0"/>
+              <a:t>.</a:t>
+            </a:r>
+            <a:endParaRPr lang="en-US" sz="2200" dirty="0"/>
           </a:p>
         </p:txBody>
       </p:sp>
@@ -5117,7 +5137,6 @@
               <a:rPr lang="en-US" dirty="0"/>
               <a:t>What you said schema-free !!!</a:t>
             </a:r>
-            <a:endParaRPr lang="en-US" dirty="0"/>
           </a:p>
         </p:txBody>
       </p:sp>
@@ -5263,7 +5282,6 @@
               <a:rPr lang="en-US" dirty="0"/>
               <a:t>, </a:t>
             </a:r>
-            <a:endParaRPr lang="en-US" dirty="0"/>
           </a:p>
         </p:txBody>
       </p:sp>

--- a/ElasticFun/ElasticSearchBasics.pptx
+++ b/ElasticFun/ElasticSearchBasics.pptx
@@ -5,7 +5,7 @@
     <p:sldMasterId id="2147483648" r:id="rId1"/>
   </p:sldMasterIdLst>
   <p:notesMasterIdLst>
-    <p:notesMasterId r:id="rId39"/>
+    <p:notesMasterId r:id="rId40"/>
   </p:notesMasterIdLst>
   <p:sldIdLst>
     <p:sldId id="416" r:id="rId2"/>
@@ -18,33 +18,34 @@
     <p:sldId id="464" r:id="rId9"/>
     <p:sldId id="465" r:id="rId10"/>
     <p:sldId id="466" r:id="rId11"/>
-    <p:sldId id="467" r:id="rId12"/>
-    <p:sldId id="469" r:id="rId13"/>
-    <p:sldId id="470" r:id="rId14"/>
-    <p:sldId id="471" r:id="rId15"/>
-    <p:sldId id="472" r:id="rId16"/>
-    <p:sldId id="474" r:id="rId17"/>
-    <p:sldId id="475" r:id="rId18"/>
-    <p:sldId id="476" r:id="rId19"/>
-    <p:sldId id="477" r:id="rId20"/>
-    <p:sldId id="479" r:id="rId21"/>
-    <p:sldId id="480" r:id="rId22"/>
-    <p:sldId id="481" r:id="rId23"/>
-    <p:sldId id="482" r:id="rId24"/>
-    <p:sldId id="483" r:id="rId25"/>
-    <p:sldId id="484" r:id="rId26"/>
-    <p:sldId id="485" r:id="rId27"/>
-    <p:sldId id="486" r:id="rId28"/>
-    <p:sldId id="487" r:id="rId29"/>
-    <p:sldId id="460" r:id="rId30"/>
-    <p:sldId id="488" r:id="rId31"/>
-    <p:sldId id="461" r:id="rId32"/>
-    <p:sldId id="489" r:id="rId33"/>
-    <p:sldId id="490" r:id="rId34"/>
-    <p:sldId id="491" r:id="rId35"/>
-    <p:sldId id="492" r:id="rId36"/>
-    <p:sldId id="493" r:id="rId37"/>
-    <p:sldId id="494" r:id="rId38"/>
+    <p:sldId id="495" r:id="rId12"/>
+    <p:sldId id="467" r:id="rId13"/>
+    <p:sldId id="469" r:id="rId14"/>
+    <p:sldId id="470" r:id="rId15"/>
+    <p:sldId id="471" r:id="rId16"/>
+    <p:sldId id="472" r:id="rId17"/>
+    <p:sldId id="474" r:id="rId18"/>
+    <p:sldId id="475" r:id="rId19"/>
+    <p:sldId id="476" r:id="rId20"/>
+    <p:sldId id="477" r:id="rId21"/>
+    <p:sldId id="479" r:id="rId22"/>
+    <p:sldId id="480" r:id="rId23"/>
+    <p:sldId id="481" r:id="rId24"/>
+    <p:sldId id="482" r:id="rId25"/>
+    <p:sldId id="483" r:id="rId26"/>
+    <p:sldId id="484" r:id="rId27"/>
+    <p:sldId id="485" r:id="rId28"/>
+    <p:sldId id="486" r:id="rId29"/>
+    <p:sldId id="487" r:id="rId30"/>
+    <p:sldId id="460" r:id="rId31"/>
+    <p:sldId id="488" r:id="rId32"/>
+    <p:sldId id="461" r:id="rId33"/>
+    <p:sldId id="489" r:id="rId34"/>
+    <p:sldId id="490" r:id="rId35"/>
+    <p:sldId id="491" r:id="rId36"/>
+    <p:sldId id="492" r:id="rId37"/>
+    <p:sldId id="493" r:id="rId38"/>
+    <p:sldId id="494" r:id="rId39"/>
   </p:sldIdLst>
   <p:sldSz cx="9144000" cy="5143500" type="screen16x9"/>
   <p:notesSz cx="6858000" cy="9144000"/>
@@ -2390,29 +2391,6 @@
       </p:grpSpPr>
       <p:sp>
         <p:nvSpPr>
-          <p:cNvPr id="2" name="Title 1"/>
-          <p:cNvSpPr>
-            <a:spLocks noGrp="1"/>
-          </p:cNvSpPr>
-          <p:nvPr>
-            <p:ph type="title"/>
-          </p:nvPr>
-        </p:nvSpPr>
-        <p:spPr/>
-        <p:txBody>
-          <a:bodyPr/>
-          <a:lstStyle/>
-          <a:p>
-            <a:r>
-              <a:rPr lang="en-US" dirty="0" smtClean="0"/>
-              <a:t>POST</a:t>
-            </a:r>
-            <a:endParaRPr lang="en-US" dirty="0"/>
-          </a:p>
-        </p:txBody>
-      </p:sp>
-      <p:sp>
-        <p:nvSpPr>
           <p:cNvPr id="3" name="Text Placeholder 2"/>
           <p:cNvSpPr>
             <a:spLocks noGrp="1"/>
@@ -2423,105 +2401,32 @@
         </p:nvSpPr>
         <p:spPr/>
         <p:txBody>
-          <a:bodyPr>
-            <a:normAutofit/>
-          </a:bodyPr>
+          <a:bodyPr anchor="ctr"/>
           <a:lstStyle/>
           <a:p>
-            <a:pPr marL="0" indent="0">
-              <a:buNone/>
-            </a:pPr>
-            <a:r>
-              <a:rPr lang="en-US" sz="2000" b="1" dirty="0" smtClean="0"/>
-              <a:t>POST /movie/actor/5</a:t>
-            </a:r>
-            <a:endParaRPr lang="en-US" sz="2000" b="1" dirty="0"/>
-          </a:p>
-          <a:p>
-            <a:pPr marL="0" indent="0">
-              <a:buNone/>
-            </a:pPr>
-            <a:r>
-              <a:rPr lang="en-US" sz="2000" b="1" dirty="0"/>
-              <a:t>{</a:t>
-            </a:r>
-          </a:p>
-          <a:p>
-            <a:pPr marL="0" indent="0">
-              <a:buNone/>
-            </a:pPr>
-            <a:r>
-              <a:rPr lang="en-US" sz="2000" b="1" dirty="0"/>
-              <a:t>  "name": "Colonel James Braddock",</a:t>
-            </a:r>
-          </a:p>
-          <a:p>
-            <a:pPr marL="0" indent="0">
-              <a:buNone/>
-            </a:pPr>
-            <a:r>
-              <a:rPr lang="en-US" sz="2000" b="1" dirty="0"/>
-              <a:t>  "</a:t>
-            </a:r>
-            <a:r>
-              <a:rPr lang="en-US" sz="2000" b="1" dirty="0" err="1"/>
-              <a:t>actor":"Chuck</a:t>
-            </a:r>
-            <a:r>
-              <a:rPr lang="en-US" sz="2000" b="1" dirty="0"/>
-              <a:t> Norris",</a:t>
-            </a:r>
-          </a:p>
-          <a:p>
-            <a:pPr marL="0" indent="0">
-              <a:buNone/>
-            </a:pPr>
-            <a:r>
-              <a:rPr lang="en-US" sz="2000" b="1" dirty="0"/>
-              <a:t>  "score":12,</a:t>
-            </a:r>
-          </a:p>
-          <a:p>
-            <a:pPr marL="0" indent="0">
-              <a:buNone/>
-            </a:pPr>
-            <a:r>
-              <a:rPr lang="en-US" sz="2000" b="1" dirty="0"/>
-              <a:t>  "date":"1988-01-01",</a:t>
-            </a:r>
-          </a:p>
-          <a:p>
-            <a:pPr marL="0" indent="0">
-              <a:buNone/>
-            </a:pPr>
-            <a:r>
-              <a:rPr lang="en-US" sz="2000" b="1" dirty="0"/>
-              <a:t>  "</a:t>
-            </a:r>
-            <a:r>
-              <a:rPr lang="en-US" sz="2000" b="1" dirty="0" err="1"/>
-              <a:t>line":"I</a:t>
-            </a:r>
-            <a:r>
-              <a:rPr lang="en-US" sz="2000" b="1" dirty="0"/>
-              <a:t> don’t step on toes… I step on necks"</a:t>
-            </a:r>
-          </a:p>
-          <a:p>
-            <a:pPr marL="0" indent="0">
-              <a:buNone/>
-            </a:pPr>
-            <a:r>
-              <a:rPr lang="en-US" sz="2000" b="1" dirty="0"/>
-              <a:t>}</a:t>
-            </a:r>
+            <a:pPr marL="0" indent="0" algn="ctr">
+              <a:buNone/>
+            </a:pPr>
+            <a:r>
+              <a:rPr lang="en-US" sz="4000" smtClean="0">
+                <a:solidFill>
+                  <a:srgbClr val="0070C0"/>
+                </a:solidFill>
+              </a:rPr>
+              <a:t>Adding data</a:t>
+            </a:r>
+            <a:endParaRPr lang="en-US" sz="4000" dirty="0">
+              <a:solidFill>
+                <a:srgbClr val="0070C0"/>
+              </a:solidFill>
+            </a:endParaRPr>
           </a:p>
         </p:txBody>
       </p:sp>
     </p:spTree>
     <p:extLst>
       <p:ext uri="{BB962C8B-B14F-4D97-AF65-F5344CB8AC3E}">
-        <p14:creationId xmlns:p14="http://schemas.microsoft.com/office/powerpoint/2010/main" val="3825033167"/>
+        <p14:creationId xmlns:p14="http://schemas.microsoft.com/office/powerpoint/2010/main" val="1471359515"/>
       </p:ext>
     </p:extLst>
   </p:cSld>
@@ -2557,6 +2462,29 @@
       </p:grpSpPr>
       <p:sp>
         <p:nvSpPr>
+          <p:cNvPr id="2" name="Title 1"/>
+          <p:cNvSpPr>
+            <a:spLocks noGrp="1"/>
+          </p:cNvSpPr>
+          <p:nvPr>
+            <p:ph type="title"/>
+          </p:nvPr>
+        </p:nvSpPr>
+        <p:spPr/>
+        <p:txBody>
+          <a:bodyPr/>
+          <a:lstStyle/>
+          <a:p>
+            <a:r>
+              <a:rPr lang="en-US" dirty="0" smtClean="0"/>
+              <a:t>POST</a:t>
+            </a:r>
+            <a:endParaRPr lang="en-US" dirty="0"/>
+          </a:p>
+        </p:txBody>
+      </p:sp>
+      <p:sp>
+        <p:nvSpPr>
           <p:cNvPr id="3" name="Text Placeholder 2"/>
           <p:cNvSpPr>
             <a:spLocks noGrp="1"/>
@@ -2567,28 +2495,105 @@
         </p:nvSpPr>
         <p:spPr/>
         <p:txBody>
-          <a:bodyPr anchor="ctr"/>
+          <a:bodyPr>
+            <a:normAutofit/>
+          </a:bodyPr>
           <a:lstStyle/>
           <a:p>
-            <a:pPr marL="0" indent="0" algn="ctr">
-              <a:buNone/>
-            </a:pPr>
-            <a:r>
-              <a:rPr lang="en-US" sz="4000" dirty="0">
-                <a:solidFill>
-                  <a:schemeClr val="tx1"/>
-                </a:solidFill>
-              </a:rPr>
-              <a:t>PUT /index/type/id</a:t>
-            </a:r>
-            <a:endParaRPr lang="en-US" dirty="0"/>
+            <a:pPr marL="0" indent="0">
+              <a:buNone/>
+            </a:pPr>
+            <a:r>
+              <a:rPr lang="en-US" sz="2000" b="1" dirty="0" smtClean="0"/>
+              <a:t>POST /movie/actor/5</a:t>
+            </a:r>
+            <a:endParaRPr lang="en-US" sz="2000" b="1" dirty="0"/>
+          </a:p>
+          <a:p>
+            <a:pPr marL="0" indent="0">
+              <a:buNone/>
+            </a:pPr>
+            <a:r>
+              <a:rPr lang="en-US" sz="2000" b="1" dirty="0"/>
+              <a:t>{</a:t>
+            </a:r>
+          </a:p>
+          <a:p>
+            <a:pPr marL="0" indent="0">
+              <a:buNone/>
+            </a:pPr>
+            <a:r>
+              <a:rPr lang="en-US" sz="2000" b="1" dirty="0"/>
+              <a:t>  "name": "Colonel James Braddock",</a:t>
+            </a:r>
+          </a:p>
+          <a:p>
+            <a:pPr marL="0" indent="0">
+              <a:buNone/>
+            </a:pPr>
+            <a:r>
+              <a:rPr lang="en-US" sz="2000" b="1" dirty="0"/>
+              <a:t>  "</a:t>
+            </a:r>
+            <a:r>
+              <a:rPr lang="en-US" sz="2000" b="1" dirty="0" err="1"/>
+              <a:t>actor":"Chuck</a:t>
+            </a:r>
+            <a:r>
+              <a:rPr lang="en-US" sz="2000" b="1" dirty="0"/>
+              <a:t> Norris",</a:t>
+            </a:r>
+          </a:p>
+          <a:p>
+            <a:pPr marL="0" indent="0">
+              <a:buNone/>
+            </a:pPr>
+            <a:r>
+              <a:rPr lang="en-US" sz="2000" b="1" dirty="0"/>
+              <a:t>  "score":12,</a:t>
+            </a:r>
+          </a:p>
+          <a:p>
+            <a:pPr marL="0" indent="0">
+              <a:buNone/>
+            </a:pPr>
+            <a:r>
+              <a:rPr lang="en-US" sz="2000" b="1" dirty="0"/>
+              <a:t>  "date":"1988-01-01",</a:t>
+            </a:r>
+          </a:p>
+          <a:p>
+            <a:pPr marL="0" indent="0">
+              <a:buNone/>
+            </a:pPr>
+            <a:r>
+              <a:rPr lang="en-US" sz="2000" b="1" dirty="0"/>
+              <a:t>  "</a:t>
+            </a:r>
+            <a:r>
+              <a:rPr lang="en-US" sz="2000" b="1" dirty="0" err="1"/>
+              <a:t>line":"I</a:t>
+            </a:r>
+            <a:r>
+              <a:rPr lang="en-US" sz="2000" b="1" dirty="0"/>
+              <a:t> don’t step on toes… I step on necks"</a:t>
+            </a:r>
+          </a:p>
+          <a:p>
+            <a:pPr marL="0" indent="0">
+              <a:buNone/>
+            </a:pPr>
+            <a:r>
+              <a:rPr lang="en-US" sz="2000" b="1" dirty="0"/>
+              <a:t>}</a:t>
+            </a:r>
           </a:p>
         </p:txBody>
       </p:sp>
     </p:spTree>
     <p:extLst>
       <p:ext uri="{BB962C8B-B14F-4D97-AF65-F5344CB8AC3E}">
-        <p14:creationId xmlns:p14="http://schemas.microsoft.com/office/powerpoint/2010/main" val="2084906397"/>
+        <p14:creationId xmlns:p14="http://schemas.microsoft.com/office/powerpoint/2010/main" val="3825033167"/>
       </p:ext>
     </p:extLst>
   </p:cSld>
@@ -2646,23 +2651,7 @@
                   <a:schemeClr val="tx1"/>
                 </a:solidFill>
               </a:rPr>
-              <a:t>PUT </a:t>
-            </a:r>
-            <a:r>
-              <a:rPr lang="en-US" sz="4000" dirty="0">
-                <a:solidFill>
-                  <a:srgbClr val="0070C0"/>
-                </a:solidFill>
-              </a:rPr>
-              <a:t>/index</a:t>
-            </a:r>
-            <a:r>
-              <a:rPr lang="en-US" sz="4000" dirty="0">
-                <a:solidFill>
-                  <a:schemeClr val="tx1"/>
-                </a:solidFill>
-              </a:rPr>
-              <a:t>/type/id</a:t>
+              <a:t>PUT /index/type/id</a:t>
             </a:r>
             <a:endParaRPr lang="en-US" dirty="0"/>
           </a:p>
@@ -2671,7 +2660,7 @@
     </p:spTree>
     <p:extLst>
       <p:ext uri="{BB962C8B-B14F-4D97-AF65-F5344CB8AC3E}">
-        <p14:creationId xmlns:p14="http://schemas.microsoft.com/office/powerpoint/2010/main" val="3993090507"/>
+        <p14:creationId xmlns:p14="http://schemas.microsoft.com/office/powerpoint/2010/main" val="2084906397"/>
       </p:ext>
     </p:extLst>
   </p:cSld>
@@ -2729,7 +2718,7 @@
                   <a:schemeClr val="tx1"/>
                 </a:solidFill>
               </a:rPr>
-              <a:t>PUT /index</a:t>
+              <a:t>PUT </a:t>
             </a:r>
             <a:r>
               <a:rPr lang="en-US" sz="4000" dirty="0">
@@ -2737,7 +2726,7 @@
                   <a:srgbClr val="0070C0"/>
                 </a:solidFill>
               </a:rPr>
-              <a:t>/type</a:t>
+              <a:t>/index</a:t>
             </a:r>
             <a:r>
               <a:rPr lang="en-US" sz="4000" dirty="0">
@@ -2745,15 +2734,16 @@
                   <a:schemeClr val="tx1"/>
                 </a:solidFill>
               </a:rPr>
-              <a:t>/id</a:t>
-            </a:r>
+              <a:t>/type/id</a:t>
+            </a:r>
+            <a:endParaRPr lang="en-US" dirty="0"/>
           </a:p>
         </p:txBody>
       </p:sp>
     </p:spTree>
     <p:extLst>
       <p:ext uri="{BB962C8B-B14F-4D97-AF65-F5344CB8AC3E}">
-        <p14:creationId xmlns:p14="http://schemas.microsoft.com/office/powerpoint/2010/main" val="2208864680"/>
+        <p14:creationId xmlns:p14="http://schemas.microsoft.com/office/powerpoint/2010/main" val="3993090507"/>
       </p:ext>
     </p:extLst>
   </p:cSld>
@@ -2811,12 +2801,20 @@
                   <a:schemeClr val="tx1"/>
                 </a:solidFill>
               </a:rPr>
-              <a:t>PUT /index/type</a:t>
+              <a:t>PUT /index</a:t>
             </a:r>
             <a:r>
               <a:rPr lang="en-US" sz="4000" dirty="0">
                 <a:solidFill>
                   <a:srgbClr val="0070C0"/>
+                </a:solidFill>
+              </a:rPr>
+              <a:t>/type</a:t>
+            </a:r>
+            <a:r>
+              <a:rPr lang="en-US" sz="4000" dirty="0">
+                <a:solidFill>
+                  <a:schemeClr val="tx1"/>
                 </a:solidFill>
               </a:rPr>
               <a:t>/id</a:t>
@@ -2827,7 +2825,7 @@
     </p:spTree>
     <p:extLst>
       <p:ext uri="{BB962C8B-B14F-4D97-AF65-F5344CB8AC3E}">
-        <p14:creationId xmlns:p14="http://schemas.microsoft.com/office/powerpoint/2010/main" val="3504533171"/>
+        <p14:creationId xmlns:p14="http://schemas.microsoft.com/office/powerpoint/2010/main" val="2208864680"/>
       </p:ext>
     </p:extLst>
   </p:cSld>
@@ -2880,25 +2878,28 @@
               <a:buNone/>
             </a:pPr>
             <a:r>
-              <a:rPr lang="en-US" sz="4000" dirty="0" smtClean="0">
+              <a:rPr lang="en-US" sz="4000" dirty="0">
                 <a:solidFill>
                   <a:schemeClr val="tx1"/>
                 </a:solidFill>
               </a:rPr>
-              <a:t>GET /index/type/id</a:t>
-            </a:r>
-            <a:endParaRPr lang="en-US" sz="4000" dirty="0">
-              <a:solidFill>
-                <a:schemeClr val="tx1"/>
-              </a:solidFill>
-            </a:endParaRPr>
+              <a:t>PUT /index/type</a:t>
+            </a:r>
+            <a:r>
+              <a:rPr lang="en-US" sz="4000" dirty="0">
+                <a:solidFill>
+                  <a:srgbClr val="0070C0"/>
+                </a:solidFill>
+              </a:rPr>
+              <a:t>/id</a:t>
+            </a:r>
           </a:p>
         </p:txBody>
       </p:sp>
     </p:spTree>
     <p:extLst>
       <p:ext uri="{BB962C8B-B14F-4D97-AF65-F5344CB8AC3E}">
-        <p14:creationId xmlns:p14="http://schemas.microsoft.com/office/powerpoint/2010/main" val="1899193075"/>
+        <p14:creationId xmlns:p14="http://schemas.microsoft.com/office/powerpoint/2010/main" val="3504533171"/>
       </p:ext>
     </p:extLst>
   </p:cSld>
@@ -2951,20 +2952,25 @@
               <a:buNone/>
             </a:pPr>
             <a:r>
-              <a:rPr lang="en-US" sz="4000" dirty="0">
-                <a:solidFill>
-                  <a:srgbClr val="0070C0"/>
+              <a:rPr lang="en-US" sz="4000" dirty="0" smtClean="0">
+                <a:solidFill>
+                  <a:schemeClr val="tx1"/>
                 </a:solidFill>
               </a:rPr>
-              <a:t>Exists?</a:t>
-            </a:r>
+              <a:t>GET /index/type/id</a:t>
+            </a:r>
+            <a:endParaRPr lang="en-US" sz="4000" dirty="0">
+              <a:solidFill>
+                <a:schemeClr val="tx1"/>
+              </a:solidFill>
+            </a:endParaRPr>
           </a:p>
         </p:txBody>
       </p:sp>
     </p:spTree>
     <p:extLst>
       <p:ext uri="{BB962C8B-B14F-4D97-AF65-F5344CB8AC3E}">
-        <p14:creationId xmlns:p14="http://schemas.microsoft.com/office/powerpoint/2010/main" val="1415361319"/>
+        <p14:creationId xmlns:p14="http://schemas.microsoft.com/office/powerpoint/2010/main" val="1899193075"/>
       </p:ext>
     </p:extLst>
   </p:cSld>
@@ -3019,31 +3025,18 @@
             <a:r>
               <a:rPr lang="en-US" sz="4000" dirty="0">
                 <a:solidFill>
-                  <a:schemeClr val="tx1"/>
+                  <a:srgbClr val="0070C0"/>
                 </a:solidFill>
               </a:rPr>
-              <a:t>HEAD </a:t>
-            </a:r>
-            <a:r>
-              <a:rPr lang="en-US" sz="4000" dirty="0" smtClean="0">
-                <a:solidFill>
-                  <a:schemeClr val="tx1"/>
-                </a:solidFill>
-              </a:rPr>
-              <a:t>/index/type/id </a:t>
-            </a:r>
-            <a:endParaRPr lang="en-US" sz="4000" dirty="0">
-              <a:solidFill>
-                <a:schemeClr val="tx1"/>
-              </a:solidFill>
-            </a:endParaRPr>
+              <a:t>Exists?</a:t>
+            </a:r>
           </a:p>
         </p:txBody>
       </p:sp>
     </p:spTree>
     <p:extLst>
       <p:ext uri="{BB962C8B-B14F-4D97-AF65-F5344CB8AC3E}">
-        <p14:creationId xmlns:p14="http://schemas.microsoft.com/office/powerpoint/2010/main" val="3800679398"/>
+        <p14:creationId xmlns:p14="http://schemas.microsoft.com/office/powerpoint/2010/main" val="1415361319"/>
       </p:ext>
     </p:extLst>
   </p:cSld>
@@ -3098,18 +3091,31 @@
             <a:r>
               <a:rPr lang="en-US" sz="4000" dirty="0">
                 <a:solidFill>
-                  <a:srgbClr val="0070C0"/>
+                  <a:schemeClr val="tx1"/>
                 </a:solidFill>
               </a:rPr>
-              <a:t>Update</a:t>
-            </a:r>
+              <a:t>HEAD </a:t>
+            </a:r>
+            <a:r>
+              <a:rPr lang="en-US" sz="4000" dirty="0" smtClean="0">
+                <a:solidFill>
+                  <a:schemeClr val="tx1"/>
+                </a:solidFill>
+              </a:rPr>
+              <a:t>/index/type/id </a:t>
+            </a:r>
+            <a:endParaRPr lang="en-US" sz="4000" dirty="0">
+              <a:solidFill>
+                <a:schemeClr val="tx1"/>
+              </a:solidFill>
+            </a:endParaRPr>
           </a:p>
         </p:txBody>
       </p:sp>
     </p:spTree>
     <p:extLst>
       <p:ext uri="{BB962C8B-B14F-4D97-AF65-F5344CB8AC3E}">
-        <p14:creationId xmlns:p14="http://schemas.microsoft.com/office/powerpoint/2010/main" val="200220678"/>
+        <p14:creationId xmlns:p14="http://schemas.microsoft.com/office/powerpoint/2010/main" val="3800679398"/>
       </p:ext>
     </p:extLst>
   </p:cSld>
@@ -3299,29 +3305,6 @@
       </p:grpSpPr>
       <p:sp>
         <p:nvSpPr>
-          <p:cNvPr id="2" name="Title 1"/>
-          <p:cNvSpPr>
-            <a:spLocks noGrp="1"/>
-          </p:cNvSpPr>
-          <p:nvPr>
-            <p:ph type="title"/>
-          </p:nvPr>
-        </p:nvSpPr>
-        <p:spPr/>
-        <p:txBody>
-          <a:bodyPr/>
-          <a:lstStyle/>
-          <a:p>
-            <a:r>
-              <a:rPr lang="en-US" dirty="0" smtClean="0"/>
-              <a:t>PUT</a:t>
-            </a:r>
-            <a:endParaRPr lang="en-US" dirty="0"/>
-          </a:p>
-        </p:txBody>
-      </p:sp>
-      <p:sp>
-        <p:nvSpPr>
           <p:cNvPr id="3" name="Text Placeholder 2"/>
           <p:cNvSpPr>
             <a:spLocks noGrp="1"/>
@@ -3332,102 +3315,19 @@
         </p:nvSpPr>
         <p:spPr/>
         <p:txBody>
-          <a:bodyPr>
-            <a:normAutofit/>
-          </a:bodyPr>
+          <a:bodyPr anchor="ctr"/>
           <a:lstStyle/>
           <a:p>
-            <a:pPr marL="0" indent="0">
-              <a:buNone/>
-            </a:pPr>
-            <a:r>
-              <a:rPr lang="en-US" sz="2000" b="1" dirty="0" smtClean="0"/>
-              <a:t>PUT /movie/actor/5</a:t>
-            </a:r>
-            <a:endParaRPr lang="en-US" sz="2000" b="1" dirty="0"/>
-          </a:p>
-          <a:p>
-            <a:pPr marL="0" indent="0">
-              <a:buNone/>
-            </a:pPr>
-            <a:r>
-              <a:rPr lang="en-US" sz="2000" b="1" dirty="0"/>
-              <a:t>{</a:t>
-            </a:r>
-          </a:p>
-          <a:p>
-            <a:pPr marL="0" indent="0">
-              <a:buNone/>
-            </a:pPr>
-            <a:r>
-              <a:rPr lang="en-US" sz="2000" b="1" dirty="0"/>
-              <a:t>  "name": "Colonel James Braddock",</a:t>
-            </a:r>
-          </a:p>
-          <a:p>
-            <a:pPr marL="0" indent="0">
-              <a:buNone/>
-            </a:pPr>
-            <a:r>
-              <a:rPr lang="en-US" sz="2000" b="1" dirty="0"/>
-              <a:t>  "</a:t>
-            </a:r>
-            <a:r>
-              <a:rPr lang="en-US" sz="2000" b="1" dirty="0" err="1"/>
-              <a:t>actor":"Chuck</a:t>
-            </a:r>
-            <a:r>
-              <a:rPr lang="en-US" sz="2000" b="1" dirty="0"/>
-              <a:t> Norris",</a:t>
-            </a:r>
-          </a:p>
-          <a:p>
-            <a:pPr marL="0" indent="0">
-              <a:buNone/>
-            </a:pPr>
-            <a:r>
-              <a:rPr lang="en-US" sz="2000" b="1" dirty="0"/>
-              <a:t>  "score</a:t>
-            </a:r>
-            <a:r>
-              <a:rPr lang="en-US" sz="2000" b="1" dirty="0" smtClean="0"/>
-              <a:t>":101,</a:t>
-            </a:r>
-            <a:endParaRPr lang="en-US" sz="2000" b="1" dirty="0"/>
-          </a:p>
-          <a:p>
-            <a:pPr marL="0" indent="0">
-              <a:buNone/>
-            </a:pPr>
-            <a:r>
-              <a:rPr lang="en-US" sz="2000" b="1" dirty="0"/>
-              <a:t>  "date":"1988-01-01",</a:t>
-            </a:r>
-          </a:p>
-          <a:p>
-            <a:pPr marL="0" indent="0">
-              <a:buNone/>
-            </a:pPr>
-            <a:r>
-              <a:rPr lang="en-US" sz="2000" b="1" dirty="0"/>
-              <a:t>  "</a:t>
-            </a:r>
-            <a:r>
-              <a:rPr lang="en-US" sz="2000" b="1" dirty="0" err="1"/>
-              <a:t>line":"I</a:t>
-            </a:r>
-            <a:r>
-              <a:rPr lang="en-US" sz="2000" b="1" dirty="0"/>
-              <a:t> don’t step on toes… I step on necks"</a:t>
-            </a:r>
-          </a:p>
-          <a:p>
-            <a:pPr marL="0" indent="0">
-              <a:buNone/>
-            </a:pPr>
-            <a:r>
-              <a:rPr lang="en-US" sz="2000" b="1" dirty="0"/>
-              <a:t>}</a:t>
+            <a:pPr marL="0" indent="0" algn="ctr">
+              <a:buNone/>
+            </a:pPr>
+            <a:r>
+              <a:rPr lang="en-US" sz="4000" dirty="0">
+                <a:solidFill>
+                  <a:srgbClr val="0070C0"/>
+                </a:solidFill>
+              </a:rPr>
+              <a:t>Update</a:t>
             </a:r>
           </a:p>
         </p:txBody>
@@ -3435,7 +3335,7 @@
     </p:spTree>
     <p:extLst>
       <p:ext uri="{BB962C8B-B14F-4D97-AF65-F5344CB8AC3E}">
-        <p14:creationId xmlns:p14="http://schemas.microsoft.com/office/powerpoint/2010/main" val="1482761153"/>
+        <p14:creationId xmlns:p14="http://schemas.microsoft.com/office/powerpoint/2010/main" val="200220678"/>
       </p:ext>
     </p:extLst>
   </p:cSld>
@@ -3471,6 +3371,29 @@
       </p:grpSpPr>
       <p:sp>
         <p:nvSpPr>
+          <p:cNvPr id="2" name="Title 1"/>
+          <p:cNvSpPr>
+            <a:spLocks noGrp="1"/>
+          </p:cNvSpPr>
+          <p:nvPr>
+            <p:ph type="title"/>
+          </p:nvPr>
+        </p:nvSpPr>
+        <p:spPr/>
+        <p:txBody>
+          <a:bodyPr/>
+          <a:lstStyle/>
+          <a:p>
+            <a:r>
+              <a:rPr lang="en-US" dirty="0" smtClean="0"/>
+              <a:t>PUT</a:t>
+            </a:r>
+            <a:endParaRPr lang="en-US" dirty="0"/>
+          </a:p>
+        </p:txBody>
+      </p:sp>
+      <p:sp>
+        <p:nvSpPr>
           <p:cNvPr id="3" name="Text Placeholder 2"/>
           <p:cNvSpPr>
             <a:spLocks noGrp="1"/>
@@ -3481,48 +3404,110 @@
         </p:nvSpPr>
         <p:spPr/>
         <p:txBody>
-          <a:bodyPr anchor="ctr"/>
+          <a:bodyPr>
+            <a:normAutofit/>
+          </a:bodyPr>
           <a:lstStyle/>
           <a:p>
-            <a:pPr marL="0" indent="0" algn="ctr">
-              <a:buNone/>
-            </a:pPr>
-            <a:r>
-              <a:rPr lang="en-US" sz="4000" dirty="0" smtClean="0">
-                <a:solidFill>
-                  <a:schemeClr val="tx1"/>
-                </a:solidFill>
-              </a:rPr>
-              <a:t>Atomic </a:t>
-            </a:r>
-            <a:r>
-              <a:rPr lang="en-US" sz="4000" dirty="0">
-                <a:solidFill>
-                  <a:schemeClr val="tx1"/>
-                </a:solidFill>
-              </a:rPr>
-              <a:t>DELETE &amp; </a:t>
-            </a:r>
-            <a:r>
-              <a:rPr lang="en-US" sz="4000" dirty="0" smtClean="0">
-                <a:solidFill>
-                  <a:schemeClr val="tx1"/>
-                </a:solidFill>
-              </a:rPr>
-              <a:t>PUT!</a:t>
-            </a:r>
-            <a:endParaRPr lang="en-US" sz="4000" dirty="0">
-              <a:solidFill>
-                <a:schemeClr val="tx1"/>
-              </a:solidFill>
-            </a:endParaRPr>
+            <a:pPr marL="0" indent="0">
+              <a:buNone/>
+            </a:pPr>
+            <a:r>
+              <a:rPr lang="en-US" sz="2000" b="1" dirty="0" smtClean="0"/>
+              <a:t>PUT /movie/actor/5</a:t>
+            </a:r>
+            <a:endParaRPr lang="en-US" sz="2000" b="1" dirty="0"/>
+          </a:p>
+          <a:p>
+            <a:pPr marL="0" indent="0">
+              <a:buNone/>
+            </a:pPr>
+            <a:r>
+              <a:rPr lang="en-US" sz="2000" b="1" dirty="0"/>
+              <a:t>{</a:t>
+            </a:r>
+          </a:p>
+          <a:p>
+            <a:pPr marL="0" indent="0">
+              <a:buNone/>
+            </a:pPr>
+            <a:r>
+              <a:rPr lang="en-US" sz="2000" b="1" dirty="0"/>
+              <a:t>  "name": "Colonel James Braddock",</a:t>
+            </a:r>
+          </a:p>
+          <a:p>
+            <a:pPr marL="0" indent="0">
+              <a:buNone/>
+            </a:pPr>
+            <a:r>
+              <a:rPr lang="en-US" sz="2000" b="1" dirty="0"/>
+              <a:t>  "</a:t>
+            </a:r>
+            <a:r>
+              <a:rPr lang="en-US" sz="2000" b="1" dirty="0" err="1"/>
+              <a:t>actor":"Chuck</a:t>
+            </a:r>
+            <a:r>
+              <a:rPr lang="en-US" sz="2000" b="1" dirty="0"/>
+              <a:t> Norris",</a:t>
+            </a:r>
+          </a:p>
+          <a:p>
+            <a:pPr marL="0" indent="0">
+              <a:buNone/>
+            </a:pPr>
+            <a:r>
+              <a:rPr lang="en-US" sz="2000" b="1" dirty="0"/>
+              <a:t>  "score</a:t>
+            </a:r>
+            <a:r>
+              <a:rPr lang="en-US" sz="2000" b="1" dirty="0" smtClean="0"/>
+              <a:t>":101,</a:t>
+            </a:r>
+            <a:endParaRPr lang="en-US" sz="2000" b="1" dirty="0"/>
+          </a:p>
+          <a:p>
+            <a:pPr marL="0" indent="0">
+              <a:buNone/>
+            </a:pPr>
+            <a:r>
+              <a:rPr lang="en-US" sz="2000" b="1" dirty="0"/>
+              <a:t>  "date":"1988-01-01",</a:t>
+            </a:r>
+          </a:p>
+          <a:p>
+            <a:pPr marL="0" indent="0">
+              <a:buNone/>
+            </a:pPr>
+            <a:r>
+              <a:rPr lang="en-US" sz="2000" b="1" dirty="0"/>
+              <a:t>  "</a:t>
+            </a:r>
+            <a:r>
+              <a:rPr lang="en-US" sz="2000" b="1" dirty="0" err="1"/>
+              <a:t>line":"I</a:t>
+            </a:r>
+            <a:r>
+              <a:rPr lang="en-US" sz="2000" b="1" dirty="0"/>
+              <a:t> don’t step on toes… I step on necks"</a:t>
+            </a:r>
+          </a:p>
+          <a:p>
+            <a:pPr marL="0" indent="0">
+              <a:buNone/>
+            </a:pPr>
+            <a:r>
+              <a:rPr lang="en-US" sz="2000" b="1" dirty="0"/>
+              <a:t>}</a:t>
+            </a:r>
           </a:p>
         </p:txBody>
       </p:sp>
     </p:spTree>
     <p:extLst>
       <p:ext uri="{BB962C8B-B14F-4D97-AF65-F5344CB8AC3E}">
-        <p14:creationId xmlns:p14="http://schemas.microsoft.com/office/powerpoint/2010/main" val="2764222377"/>
+        <p14:creationId xmlns:p14="http://schemas.microsoft.com/office/powerpoint/2010/main" val="1482761153"/>
       </p:ext>
     </p:extLst>
   </p:cSld>
@@ -3577,14 +3562,30 @@
             <a:r>
               <a:rPr lang="en-US" sz="4000" dirty="0" smtClean="0">
                 <a:solidFill>
-                  <a:srgbClr val="0070C0"/>
+                  <a:schemeClr val="tx1"/>
                 </a:solidFill>
               </a:rPr>
-              <a:t>DELETE</a:t>
+              <a:t>Atomic </a:t>
+            </a:r>
+            <a:r>
+              <a:rPr lang="en-US" sz="4000" dirty="0">
+                <a:solidFill>
+                  <a:schemeClr val="tx1"/>
+                </a:solidFill>
+              </a:rPr>
+              <a:t>DELETE &amp; </a:t>
+            </a:r>
+            <a:r>
+              <a:rPr lang="en-US" sz="4000" dirty="0" smtClean="0">
+                <a:solidFill>
+                  <a:schemeClr val="tx1"/>
+                </a:solidFill>
+              </a:rPr>
+              <a:t>PUT!</a:t>
             </a:r>
             <a:endParaRPr lang="en-US" sz="4000" dirty="0">
               <a:solidFill>
-                <a:srgbClr val="0070C0"/>
+                <a:schemeClr val="tx1"/>
               </a:solidFill>
             </a:endParaRPr>
           </a:p>
@@ -3593,7 +3594,7 @@
     </p:spTree>
     <p:extLst>
       <p:ext uri="{BB962C8B-B14F-4D97-AF65-F5344CB8AC3E}">
-        <p14:creationId xmlns:p14="http://schemas.microsoft.com/office/powerpoint/2010/main" val="1271555638"/>
+        <p14:creationId xmlns:p14="http://schemas.microsoft.com/office/powerpoint/2010/main" val="2764222377"/>
       </p:ext>
     </p:extLst>
   </p:cSld>
@@ -3648,26 +3649,23 @@
             <a:r>
               <a:rPr lang="en-US" sz="4000" dirty="0" smtClean="0">
                 <a:solidFill>
-                  <a:schemeClr val="tx1"/>
+                  <a:srgbClr val="0070C0"/>
                 </a:solidFill>
               </a:rPr>
-              <a:t>DELETE /</a:t>
-            </a:r>
-            <a:r>
-              <a:rPr lang="en-US" sz="4000" dirty="0">
-                <a:solidFill>
-                  <a:schemeClr val="tx1"/>
-                </a:solidFill>
-              </a:rPr>
-              <a:t>index/type/id </a:t>
-            </a:r>
+              <a:t>DELETE</a:t>
+            </a:r>
+            <a:endParaRPr lang="en-US" sz="4000" dirty="0">
+              <a:solidFill>
+                <a:srgbClr val="0070C0"/>
+              </a:solidFill>
+            </a:endParaRPr>
           </a:p>
         </p:txBody>
       </p:sp>
     </p:spTree>
     <p:extLst>
       <p:ext uri="{BB962C8B-B14F-4D97-AF65-F5344CB8AC3E}">
-        <p14:creationId xmlns:p14="http://schemas.microsoft.com/office/powerpoint/2010/main" val="2179015933"/>
+        <p14:creationId xmlns:p14="http://schemas.microsoft.com/office/powerpoint/2010/main" val="1271555638"/>
       </p:ext>
     </p:extLst>
   </p:cSld>
@@ -3720,12 +3718,20 @@
               <a:buNone/>
             </a:pPr>
             <a:r>
+              <a:rPr lang="en-US" sz="4000" dirty="0" smtClean="0">
+                <a:solidFill>
+                  <a:schemeClr val="tx1"/>
+                </a:solidFill>
+              </a:rPr>
+              <a:t>DELETE /</a:t>
+            </a:r>
+            <a:r>
               <a:rPr lang="en-US" sz="4000" dirty="0">
                 <a:solidFill>
-                  <a:srgbClr val="0070C0"/>
+                  <a:schemeClr val="tx1"/>
                 </a:solidFill>
               </a:rPr>
-              <a:t>Optimistic concurrency control</a:t>
+              <a:t>index/type/id </a:t>
             </a:r>
           </a:p>
         </p:txBody>
@@ -3733,7 +3739,7 @@
     </p:spTree>
     <p:extLst>
       <p:ext uri="{BB962C8B-B14F-4D97-AF65-F5344CB8AC3E}">
-        <p14:creationId xmlns:p14="http://schemas.microsoft.com/office/powerpoint/2010/main" val="4277498219"/>
+        <p14:creationId xmlns:p14="http://schemas.microsoft.com/office/powerpoint/2010/main" val="2179015933"/>
       </p:ext>
     </p:extLst>
   </p:cSld>
@@ -3791,28 +3797,7 @@
                   <a:srgbClr val="0070C0"/>
                 </a:solidFill>
               </a:rPr>
-              <a:t>Optimistic concurrency </a:t>
-            </a:r>
-            <a:r>
-              <a:rPr lang="en-US" sz="4000" dirty="0" smtClean="0">
-                <a:solidFill>
-                  <a:srgbClr val="0070C0"/>
-                </a:solidFill>
-              </a:rPr>
-              <a:t>control</a:t>
-            </a:r>
-          </a:p>
-          <a:p>
-            <a:pPr marL="0" indent="0" algn="ctr">
-              <a:buNone/>
-            </a:pPr>
-            <a:r>
-              <a:rPr lang="en-US" sz="4000" dirty="0">
-                <a:solidFill>
-                  <a:schemeClr val="accent2"/>
-                </a:solidFill>
-              </a:rPr>
-              <a:t>without locking</a:t>
+              <a:t>Optimistic concurrency control</a:t>
             </a:r>
           </a:p>
         </p:txBody>
@@ -3820,7 +3805,7 @@
     </p:spTree>
     <p:extLst>
       <p:ext uri="{BB962C8B-B14F-4D97-AF65-F5344CB8AC3E}">
-        <p14:creationId xmlns:p14="http://schemas.microsoft.com/office/powerpoint/2010/main" val="3280524433"/>
+        <p14:creationId xmlns:p14="http://schemas.microsoft.com/office/powerpoint/2010/main" val="4277498219"/>
       </p:ext>
     </p:extLst>
   </p:cSld>
@@ -3873,25 +3858,41 @@
               <a:buNone/>
             </a:pPr>
             <a:r>
+              <a:rPr lang="en-US" sz="4000" dirty="0">
+                <a:solidFill>
+                  <a:srgbClr val="0070C0"/>
+                </a:solidFill>
+              </a:rPr>
+              <a:t>Optimistic concurrency </a:t>
+            </a:r>
+            <a:r>
               <a:rPr lang="en-US" sz="4000" dirty="0" smtClean="0">
                 <a:solidFill>
                   <a:srgbClr val="0070C0"/>
                 </a:solidFill>
               </a:rPr>
-              <a:t>_Update</a:t>
-            </a:r>
-            <a:endParaRPr lang="en-US" sz="4000" dirty="0">
-              <a:solidFill>
-                <a:srgbClr val="0070C0"/>
-              </a:solidFill>
-            </a:endParaRPr>
+              <a:t>control</a:t>
+            </a:r>
+          </a:p>
+          <a:p>
+            <a:pPr marL="0" indent="0" algn="ctr">
+              <a:buNone/>
+            </a:pPr>
+            <a:r>
+              <a:rPr lang="en-US" sz="4000" dirty="0">
+                <a:solidFill>
+                  <a:schemeClr val="accent2"/>
+                </a:solidFill>
+              </a:rPr>
+              <a:t>without locking</a:t>
+            </a:r>
           </a:p>
         </p:txBody>
       </p:sp>
     </p:spTree>
     <p:extLst>
       <p:ext uri="{BB962C8B-B14F-4D97-AF65-F5344CB8AC3E}">
-        <p14:creationId xmlns:p14="http://schemas.microsoft.com/office/powerpoint/2010/main" val="1912786344"/>
+        <p14:creationId xmlns:p14="http://schemas.microsoft.com/office/powerpoint/2010/main" val="3280524433"/>
       </p:ext>
     </p:extLst>
   </p:cSld>
@@ -3927,29 +3928,6 @@
       </p:grpSpPr>
       <p:sp>
         <p:nvSpPr>
-          <p:cNvPr id="2" name="Title 1"/>
-          <p:cNvSpPr>
-            <a:spLocks noGrp="1"/>
-          </p:cNvSpPr>
-          <p:nvPr>
-            <p:ph type="title"/>
-          </p:nvPr>
-        </p:nvSpPr>
-        <p:spPr/>
-        <p:txBody>
-          <a:bodyPr/>
-          <a:lstStyle/>
-          <a:p>
-            <a:r>
-              <a:rPr lang="en-US" dirty="0" smtClean="0"/>
-              <a:t>_Update</a:t>
-            </a:r>
-            <a:endParaRPr lang="en-US" dirty="0"/>
-          </a:p>
-        </p:txBody>
-      </p:sp>
-      <p:sp>
-        <p:nvSpPr>
           <p:cNvPr id="3" name="Text Placeholder 2"/>
           <p:cNvSpPr>
             <a:spLocks noGrp="1"/>
@@ -3960,70 +3938,32 @@
         </p:nvSpPr>
         <p:spPr/>
         <p:txBody>
-          <a:bodyPr>
-            <a:normAutofit/>
-          </a:bodyPr>
+          <a:bodyPr anchor="ctr"/>
           <a:lstStyle/>
           <a:p>
-            <a:pPr marL="0" indent="0">
-              <a:buNone/>
-            </a:pPr>
-            <a:r>
-              <a:rPr lang="en-US" sz="2000" b="1" dirty="0"/>
-              <a:t>POST /movie/actor/1/_update</a:t>
-            </a:r>
-          </a:p>
-          <a:p>
-            <a:pPr marL="0" indent="0">
-              <a:buNone/>
-            </a:pPr>
-            <a:r>
-              <a:rPr lang="en-US" sz="2000" b="1" dirty="0"/>
-              <a:t>{</a:t>
-            </a:r>
-          </a:p>
-          <a:p>
-            <a:pPr marL="0" indent="0">
-              <a:buNone/>
-            </a:pPr>
-            <a:r>
-              <a:rPr lang="en-US" sz="2000" b="1" dirty="0"/>
-              <a:t>    "doc" : {</a:t>
-            </a:r>
-          </a:p>
-          <a:p>
-            <a:pPr marL="0" indent="0">
-              <a:buNone/>
-            </a:pPr>
-            <a:r>
-              <a:rPr lang="en-US" sz="2000" b="1" dirty="0"/>
-              <a:t>        "date" : "1980-01-01"</a:t>
-            </a:r>
-          </a:p>
-          <a:p>
-            <a:pPr marL="0" indent="0">
-              <a:buNone/>
-            </a:pPr>
-            <a:r>
-              <a:rPr lang="en-US" sz="2000" b="1" dirty="0"/>
-              <a:t>    }</a:t>
-            </a:r>
-          </a:p>
-          <a:p>
-            <a:pPr marL="0" indent="0">
-              <a:buNone/>
-            </a:pPr>
-            <a:r>
-              <a:rPr lang="en-US" sz="2000" b="1" dirty="0"/>
-              <a:t>}</a:t>
-            </a:r>
+            <a:pPr marL="0" indent="0" algn="ctr">
+              <a:buNone/>
+            </a:pPr>
+            <a:r>
+              <a:rPr lang="en-US" sz="4000" dirty="0" smtClean="0">
+                <a:solidFill>
+                  <a:srgbClr val="0070C0"/>
+                </a:solidFill>
+              </a:rPr>
+              <a:t>_Update</a:t>
+            </a:r>
+            <a:endParaRPr lang="en-US" sz="4000" dirty="0">
+              <a:solidFill>
+                <a:srgbClr val="0070C0"/>
+              </a:solidFill>
+            </a:endParaRPr>
           </a:p>
         </p:txBody>
       </p:sp>
     </p:spTree>
     <p:extLst>
       <p:ext uri="{BB962C8B-B14F-4D97-AF65-F5344CB8AC3E}">
-        <p14:creationId xmlns:p14="http://schemas.microsoft.com/office/powerpoint/2010/main" val="1777662024"/>
+        <p14:creationId xmlns:p14="http://schemas.microsoft.com/office/powerpoint/2010/main" val="1912786344"/>
       </p:ext>
     </p:extLst>
   </p:cSld>
@@ -4059,6 +3999,29 @@
       </p:grpSpPr>
       <p:sp>
         <p:nvSpPr>
+          <p:cNvPr id="2" name="Title 1"/>
+          <p:cNvSpPr>
+            <a:spLocks noGrp="1"/>
+          </p:cNvSpPr>
+          <p:nvPr>
+            <p:ph type="title"/>
+          </p:nvPr>
+        </p:nvSpPr>
+        <p:spPr/>
+        <p:txBody>
+          <a:bodyPr/>
+          <a:lstStyle/>
+          <a:p>
+            <a:r>
+              <a:rPr lang="en-US" dirty="0" smtClean="0"/>
+              <a:t>_Update</a:t>
+            </a:r>
+            <a:endParaRPr lang="en-US" dirty="0"/>
+          </a:p>
+        </p:txBody>
+      </p:sp>
+      <p:sp>
+        <p:nvSpPr>
           <p:cNvPr id="3" name="Text Placeholder 2"/>
           <p:cNvSpPr>
             <a:spLocks noGrp="1"/>
@@ -4069,19 +4032,62 @@
         </p:nvSpPr>
         <p:spPr/>
         <p:txBody>
-          <a:bodyPr anchor="ctr"/>
+          <a:bodyPr>
+            <a:normAutofit/>
+          </a:bodyPr>
           <a:lstStyle/>
           <a:p>
-            <a:pPr marL="0" indent="0" algn="ctr">
-              <a:buNone/>
-            </a:pPr>
-            <a:r>
-              <a:rPr lang="en-US" sz="4000" dirty="0">
-                <a:solidFill>
-                  <a:schemeClr val="tx1"/>
-                </a:solidFill>
-              </a:rPr>
-              <a:t>GET ! change ! PUT</a:t>
+            <a:pPr marL="0" indent="0">
+              <a:buNone/>
+            </a:pPr>
+            <a:r>
+              <a:rPr lang="en-US" sz="2000" b="1" dirty="0"/>
+              <a:t>POST /movie/actor/1/_update</a:t>
+            </a:r>
+          </a:p>
+          <a:p>
+            <a:pPr marL="0" indent="0">
+              <a:buNone/>
+            </a:pPr>
+            <a:r>
+              <a:rPr lang="en-US" sz="2000" b="1" dirty="0"/>
+              <a:t>{</a:t>
+            </a:r>
+          </a:p>
+          <a:p>
+            <a:pPr marL="0" indent="0">
+              <a:buNone/>
+            </a:pPr>
+            <a:r>
+              <a:rPr lang="en-US" sz="2000" b="1" dirty="0"/>
+              <a:t>    "doc" : {</a:t>
+            </a:r>
+          </a:p>
+          <a:p>
+            <a:pPr marL="0" indent="0">
+              <a:buNone/>
+            </a:pPr>
+            <a:r>
+              <a:rPr lang="en-US" sz="2000" b="1" dirty="0"/>
+              <a:t>        "date" : "1980-01-01"</a:t>
+            </a:r>
+          </a:p>
+          <a:p>
+            <a:pPr marL="0" indent="0">
+              <a:buNone/>
+            </a:pPr>
+            <a:r>
+              <a:rPr lang="en-US" sz="2000" b="1" dirty="0"/>
+              <a:t>    }</a:t>
+            </a:r>
+          </a:p>
+          <a:p>
+            <a:pPr marL="0" indent="0">
+              <a:buNone/>
+            </a:pPr>
+            <a:r>
+              <a:rPr lang="en-US" sz="2000" b="1" dirty="0"/>
+              <a:t>}</a:t>
             </a:r>
           </a:p>
         </p:txBody>
@@ -4089,7 +4095,7 @@
     </p:spTree>
     <p:extLst>
       <p:ext uri="{BB962C8B-B14F-4D97-AF65-F5344CB8AC3E}">
-        <p14:creationId xmlns:p14="http://schemas.microsoft.com/office/powerpoint/2010/main" val="2999928245"/>
+        <p14:creationId xmlns:p14="http://schemas.microsoft.com/office/powerpoint/2010/main" val="1777662024"/>
       </p:ext>
     </p:extLst>
   </p:cSld>
@@ -4125,32 +4131,6 @@
       </p:grpSpPr>
       <p:sp>
         <p:nvSpPr>
-          <p:cNvPr id="2" name="Title 1"/>
-          <p:cNvSpPr>
-            <a:spLocks noGrp="1"/>
-          </p:cNvSpPr>
-          <p:nvPr>
-            <p:ph type="title"/>
-          </p:nvPr>
-        </p:nvSpPr>
-        <p:spPr/>
-        <p:txBody>
-          <a:bodyPr/>
-          <a:lstStyle/>
-          <a:p>
-            <a:r>
-              <a:rPr lang="en-US" dirty="0" smtClean="0"/>
-              <a:t>Index </a:t>
-            </a:r>
-            <a:r>
-              <a:rPr lang="en-US" dirty="0"/>
-              <a:t>API </a:t>
-            </a:r>
-          </a:p>
-        </p:txBody>
-      </p:sp>
-      <p:sp>
-        <p:nvSpPr>
           <p:cNvPr id="3" name="Text Placeholder 2"/>
           <p:cNvSpPr>
             <a:spLocks noGrp="1"/>
@@ -4161,92 +4141,19 @@
         </p:nvSpPr>
         <p:spPr/>
         <p:txBody>
-          <a:bodyPr>
-            <a:normAutofit/>
-          </a:bodyPr>
+          <a:bodyPr anchor="ctr"/>
           <a:lstStyle/>
           <a:p>
-            <a:pPr marL="0" indent="0">
-              <a:buNone/>
-            </a:pPr>
-            <a:r>
-              <a:rPr lang="en-US" sz="1400" b="1" dirty="0"/>
-              <a:t>The _shards header provides information about the replication process of the index operation.</a:t>
-            </a:r>
-          </a:p>
-          <a:p>
-            <a:pPr marL="0" indent="0">
-              <a:buNone/>
-            </a:pPr>
-            <a:endParaRPr lang="en-US" sz="1400" b="1" dirty="0"/>
-          </a:p>
-          <a:p>
-            <a:pPr marL="0" indent="0">
-              <a:buNone/>
-            </a:pPr>
-            <a:r>
-              <a:rPr lang="en-US" sz="1400" b="1" dirty="0"/>
-              <a:t>• total - Indicates to how many shard copies (primary and replica shards) the index operation should be executed on. </a:t>
-            </a:r>
-          </a:p>
-          <a:p>
-            <a:pPr marL="0" indent="0">
-              <a:buNone/>
-            </a:pPr>
-            <a:r>
-              <a:rPr lang="en-US" sz="1400" b="1" dirty="0"/>
-              <a:t>• successful- Indicates the number of shard copies the index operation succeeded on. </a:t>
-            </a:r>
-          </a:p>
-          <a:p>
-            <a:pPr marL="0" indent="0">
-              <a:buNone/>
-            </a:pPr>
-            <a:r>
-              <a:rPr lang="en-US" sz="1400" b="1" dirty="0"/>
-              <a:t>• failed - An array that contains replication related errors in the case an index operation failed on a replica shard. </a:t>
-            </a:r>
-          </a:p>
-          <a:p>
-            <a:pPr marL="0" indent="0">
-              <a:buNone/>
-            </a:pPr>
-            <a:endParaRPr lang="en-US" sz="1400" b="1" dirty="0" smtClean="0"/>
-          </a:p>
-          <a:p>
-            <a:pPr marL="0" indent="0">
-              <a:buNone/>
-            </a:pPr>
-            <a:r>
-              <a:rPr lang="en-US" sz="1400" b="1" dirty="0"/>
-              <a:t>The index operation </a:t>
-            </a:r>
-            <a:r>
-              <a:rPr lang="en-US" sz="1400" b="1" dirty="0" smtClean="0"/>
-              <a:t>automatically </a:t>
-            </a:r>
-            <a:r>
-              <a:rPr lang="en-US" sz="1400" b="1" dirty="0"/>
-              <a:t>creates an index if it has not been created </a:t>
-            </a:r>
-            <a:r>
-              <a:rPr lang="en-US" sz="1400" b="1" dirty="0" smtClean="0"/>
-              <a:t>before</a:t>
-            </a:r>
-          </a:p>
-          <a:p>
-            <a:pPr marL="0" indent="0">
-              <a:buNone/>
-            </a:pPr>
-            <a:endParaRPr lang="en-US" sz="1400" b="1" dirty="0"/>
-          </a:p>
-          <a:p>
-            <a:pPr marL="0" indent="0">
-              <a:buNone/>
-            </a:pPr>
-            <a:r>
-              <a:rPr lang="en-US" sz="1400" b="1" dirty="0"/>
-              <a:t>Each indexed document is given a version number. </a:t>
+            <a:pPr marL="0" indent="0" algn="ctr">
+              <a:buNone/>
+            </a:pPr>
+            <a:r>
+              <a:rPr lang="en-US" sz="4000" dirty="0">
+                <a:solidFill>
+                  <a:schemeClr val="tx1"/>
+                </a:solidFill>
+              </a:rPr>
+              <a:t>GET ! change ! PUT</a:t>
             </a:r>
           </a:p>
         </p:txBody>
@@ -4254,7 +4161,7 @@
     </p:spTree>
     <p:extLst>
       <p:ext uri="{BB962C8B-B14F-4D97-AF65-F5344CB8AC3E}">
-        <p14:creationId xmlns:p14="http://schemas.microsoft.com/office/powerpoint/2010/main" val="205227098"/>
+        <p14:creationId xmlns:p14="http://schemas.microsoft.com/office/powerpoint/2010/main" val="2999928245"/>
       </p:ext>
     </p:extLst>
   </p:cSld>
@@ -4484,6 +4391,32 @@
       </p:grpSpPr>
       <p:sp>
         <p:nvSpPr>
+          <p:cNvPr id="2" name="Title 1"/>
+          <p:cNvSpPr>
+            <a:spLocks noGrp="1"/>
+          </p:cNvSpPr>
+          <p:nvPr>
+            <p:ph type="title"/>
+          </p:nvPr>
+        </p:nvSpPr>
+        <p:spPr/>
+        <p:txBody>
+          <a:bodyPr/>
+          <a:lstStyle/>
+          <a:p>
+            <a:r>
+              <a:rPr lang="en-US" dirty="0" smtClean="0"/>
+              <a:t>Index </a:t>
+            </a:r>
+            <a:r>
+              <a:rPr lang="en-US" dirty="0"/>
+              <a:t>API </a:t>
+            </a:r>
+          </a:p>
+        </p:txBody>
+      </p:sp>
+      <p:sp>
+        <p:nvSpPr>
           <p:cNvPr id="3" name="Text Placeholder 2"/>
           <p:cNvSpPr>
             <a:spLocks noGrp="1"/>
@@ -4494,19 +4427,92 @@
         </p:nvSpPr>
         <p:spPr/>
         <p:txBody>
-          <a:bodyPr anchor="ctr"/>
+          <a:bodyPr>
+            <a:normAutofit/>
+          </a:bodyPr>
           <a:lstStyle/>
           <a:p>
-            <a:pPr marL="0" indent="0" algn="ctr">
-              <a:buNone/>
-            </a:pPr>
-            <a:r>
-              <a:rPr lang="en-US" sz="4000" dirty="0">
-                <a:solidFill>
-                  <a:srgbClr val="0070C0"/>
-                </a:solidFill>
-              </a:rPr>
-              <a:t>Search Lite</a:t>
+            <a:pPr marL="0" indent="0">
+              <a:buNone/>
+            </a:pPr>
+            <a:r>
+              <a:rPr lang="en-US" sz="1400" b="1" dirty="0"/>
+              <a:t>The _shards header provides information about the replication process of the index operation.</a:t>
+            </a:r>
+          </a:p>
+          <a:p>
+            <a:pPr marL="0" indent="0">
+              <a:buNone/>
+            </a:pPr>
+            <a:endParaRPr lang="en-US" sz="1400" b="1" dirty="0"/>
+          </a:p>
+          <a:p>
+            <a:pPr marL="0" indent="0">
+              <a:buNone/>
+            </a:pPr>
+            <a:r>
+              <a:rPr lang="en-US" sz="1400" b="1" dirty="0"/>
+              <a:t>• total - Indicates to how many shard copies (primary and replica shards) the index operation should be executed on. </a:t>
+            </a:r>
+          </a:p>
+          <a:p>
+            <a:pPr marL="0" indent="0">
+              <a:buNone/>
+            </a:pPr>
+            <a:r>
+              <a:rPr lang="en-US" sz="1400" b="1" dirty="0"/>
+              <a:t>• successful- Indicates the number of shard copies the index operation succeeded on. </a:t>
+            </a:r>
+          </a:p>
+          <a:p>
+            <a:pPr marL="0" indent="0">
+              <a:buNone/>
+            </a:pPr>
+            <a:r>
+              <a:rPr lang="en-US" sz="1400" b="1" dirty="0"/>
+              <a:t>• failed - An array that contains replication related errors in the case an index operation failed on a replica shard. </a:t>
+            </a:r>
+          </a:p>
+          <a:p>
+            <a:pPr marL="0" indent="0">
+              <a:buNone/>
+            </a:pPr>
+            <a:endParaRPr lang="en-US" sz="1400" b="1" dirty="0" smtClean="0"/>
+          </a:p>
+          <a:p>
+            <a:pPr marL="0" indent="0">
+              <a:buNone/>
+            </a:pPr>
+            <a:r>
+              <a:rPr lang="en-US" sz="1400" b="1" dirty="0"/>
+              <a:t>The index operation </a:t>
+            </a:r>
+            <a:r>
+              <a:rPr lang="en-US" sz="1400" b="1" dirty="0" smtClean="0"/>
+              <a:t>automatically </a:t>
+            </a:r>
+            <a:r>
+              <a:rPr lang="en-US" sz="1400" b="1" dirty="0"/>
+              <a:t>creates an index if it has not been created </a:t>
+            </a:r>
+            <a:r>
+              <a:rPr lang="en-US" sz="1400" b="1" dirty="0" smtClean="0"/>
+              <a:t>before</a:t>
+            </a:r>
+          </a:p>
+          <a:p>
+            <a:pPr marL="0" indent="0">
+              <a:buNone/>
+            </a:pPr>
+            <a:endParaRPr lang="en-US" sz="1400" b="1" dirty="0"/>
+          </a:p>
+          <a:p>
+            <a:pPr marL="0" indent="0">
+              <a:buNone/>
+            </a:pPr>
+            <a:r>
+              <a:rPr lang="en-US" sz="1400" b="1" dirty="0"/>
+              <a:t>Each indexed document is given a version number. </a:t>
             </a:r>
           </a:p>
         </p:txBody>
@@ -4514,7 +4520,7 @@
     </p:spTree>
     <p:extLst>
       <p:ext uri="{BB962C8B-B14F-4D97-AF65-F5344CB8AC3E}">
-        <p14:creationId xmlns:p14="http://schemas.microsoft.com/office/powerpoint/2010/main" val="1280234399"/>
+        <p14:creationId xmlns:p14="http://schemas.microsoft.com/office/powerpoint/2010/main" val="205227098"/>
       </p:ext>
     </p:extLst>
   </p:cSld>
@@ -4550,29 +4556,6 @@
       </p:grpSpPr>
       <p:sp>
         <p:nvSpPr>
-          <p:cNvPr id="2" name="Title 1"/>
-          <p:cNvSpPr>
-            <a:spLocks noGrp="1"/>
-          </p:cNvSpPr>
-          <p:nvPr>
-            <p:ph type="title"/>
-          </p:nvPr>
-        </p:nvSpPr>
-        <p:spPr/>
-        <p:txBody>
-          <a:bodyPr/>
-          <a:lstStyle/>
-          <a:p>
-            <a:r>
-              <a:rPr lang="en-US" dirty="0" smtClean="0"/>
-              <a:t>Now lets ask some questions</a:t>
-            </a:r>
-            <a:endParaRPr lang="en-US" dirty="0"/>
-          </a:p>
-        </p:txBody>
-      </p:sp>
-      <p:sp>
-        <p:nvSpPr>
           <p:cNvPr id="3" name="Text Placeholder 2"/>
           <p:cNvSpPr>
             <a:spLocks noGrp="1"/>
@@ -4583,97 +4566,27 @@
         </p:nvSpPr>
         <p:spPr/>
         <p:txBody>
-          <a:bodyPr/>
+          <a:bodyPr anchor="ctr"/>
           <a:lstStyle/>
           <a:p>
             <a:pPr marL="0" indent="0" algn="ctr">
               <a:buNone/>
             </a:pPr>
             <a:r>
-              <a:rPr lang="en-US" sz="2000" dirty="0"/>
-              <a:t>GET /_</a:t>
-            </a:r>
-            <a:r>
-              <a:rPr lang="en-US" sz="2000" dirty="0" smtClean="0"/>
-              <a:t>search</a:t>
-            </a:r>
-          </a:p>
-          <a:p>
-            <a:pPr marL="0" indent="0" algn="ctr">
-              <a:buNone/>
-            </a:pPr>
-            <a:r>
-              <a:rPr lang="en-US" sz="2000" dirty="0"/>
-              <a:t> GET /index/_search</a:t>
-            </a:r>
-          </a:p>
-          <a:p>
-            <a:pPr marL="0" indent="0" algn="ctr">
-              <a:buNone/>
-            </a:pPr>
-            <a:r>
-              <a:rPr lang="en-US" sz="2000" dirty="0"/>
-              <a:t> GET /</a:t>
-            </a:r>
-            <a:r>
-              <a:rPr lang="en-US" sz="2000" dirty="0" smtClean="0"/>
-              <a:t>index/type/_search</a:t>
-            </a:r>
-          </a:p>
-          <a:p>
-            <a:pPr marL="0" indent="0" algn="ctr">
-              <a:buNone/>
-            </a:pPr>
-            <a:r>
-              <a:rPr lang="en-US" sz="2000" dirty="0"/>
-              <a:t>GET /index1,index2/_search</a:t>
-            </a:r>
-          </a:p>
-          <a:p>
-            <a:pPr marL="0" indent="0" algn="ctr">
-              <a:buNone/>
-            </a:pPr>
-            <a:r>
-              <a:rPr lang="en-US" sz="2000" dirty="0"/>
-              <a:t>GET /</a:t>
-            </a:r>
-            <a:r>
-              <a:rPr lang="en-US" sz="2000" dirty="0" err="1" smtClean="0"/>
-              <a:t>ind</a:t>
-            </a:r>
-            <a:r>
-              <a:rPr lang="en-US" sz="2000" dirty="0" smtClean="0"/>
-              <a:t>*/_</a:t>
-            </a:r>
-            <a:r>
-              <a:rPr lang="en-US" sz="2000" dirty="0"/>
-              <a:t>search</a:t>
-            </a:r>
-          </a:p>
-          <a:p>
-            <a:pPr marL="0" indent="0" algn="ctr">
-              <a:buNone/>
-            </a:pPr>
-            <a:r>
-              <a:rPr lang="en-US" sz="2000" dirty="0"/>
-              <a:t>GET /index/type1,type2/_search</a:t>
-            </a:r>
-          </a:p>
-          <a:p>
-            <a:pPr marL="0" indent="0">
-              <a:buNone/>
-            </a:pPr>
-            <a:endParaRPr lang="en-US" dirty="0" smtClean="0"/>
-          </a:p>
-          <a:p>
-            <a:endParaRPr lang="en-US" dirty="0"/>
+              <a:rPr lang="en-US" sz="4000" dirty="0">
+                <a:solidFill>
+                  <a:srgbClr val="0070C0"/>
+                </a:solidFill>
+              </a:rPr>
+              <a:t>Search Lite</a:t>
+            </a:r>
           </a:p>
         </p:txBody>
       </p:sp>
     </p:spTree>
     <p:extLst>
       <p:ext uri="{BB962C8B-B14F-4D97-AF65-F5344CB8AC3E}">
-        <p14:creationId xmlns:p14="http://schemas.microsoft.com/office/powerpoint/2010/main" val="1357517379"/>
+        <p14:creationId xmlns:p14="http://schemas.microsoft.com/office/powerpoint/2010/main" val="1280234399"/>
       </p:ext>
     </p:extLst>
   </p:cSld>
@@ -4724,15 +4637,7 @@
           <a:p>
             <a:r>
               <a:rPr lang="en-US" dirty="0" smtClean="0"/>
-              <a:t>What </a:t>
-            </a:r>
-            <a:r>
-              <a:rPr lang="en-US" dirty="0"/>
-              <a:t>you </a:t>
-            </a:r>
-            <a:r>
-              <a:rPr lang="en-US" dirty="0" smtClean="0"/>
-              <a:t>said schema-free !!!</a:t>
+              <a:t>Now lets ask some questions</a:t>
             </a:r>
             <a:endParaRPr lang="en-US" dirty="0"/>
           </a:p>
@@ -4750,57 +4655,87 @@
         </p:nvSpPr>
         <p:spPr/>
         <p:txBody>
-          <a:bodyPr anchor="ctr"/>
+          <a:bodyPr/>
           <a:lstStyle/>
           <a:p>
+            <a:pPr marL="0" indent="0" algn="ctr">
+              <a:buNone/>
+            </a:pPr>
+            <a:r>
+              <a:rPr lang="en-US" sz="2000" dirty="0"/>
+              <a:t>GET /_</a:t>
+            </a:r>
+            <a:r>
+              <a:rPr lang="en-US" sz="2000" dirty="0" smtClean="0"/>
+              <a:t>search</a:t>
+            </a:r>
+          </a:p>
+          <a:p>
+            <a:pPr marL="0" indent="0" algn="ctr">
+              <a:buNone/>
+            </a:pPr>
+            <a:r>
+              <a:rPr lang="en-US" sz="2000" dirty="0"/>
+              <a:t> GET /index/_search</a:t>
+            </a:r>
+          </a:p>
+          <a:p>
+            <a:pPr marL="0" indent="0" algn="ctr">
+              <a:buNone/>
+            </a:pPr>
+            <a:r>
+              <a:rPr lang="en-US" sz="2000" dirty="0"/>
+              <a:t> GET /</a:t>
+            </a:r>
+            <a:r>
+              <a:rPr lang="en-US" sz="2000" dirty="0" smtClean="0"/>
+              <a:t>index/type/_search</a:t>
+            </a:r>
+          </a:p>
+          <a:p>
+            <a:pPr marL="0" indent="0" algn="ctr">
+              <a:buNone/>
+            </a:pPr>
+            <a:r>
+              <a:rPr lang="en-US" sz="2000" dirty="0"/>
+              <a:t>GET /index1,index2/_search</a:t>
+            </a:r>
+          </a:p>
+          <a:p>
+            <a:pPr marL="0" indent="0" algn="ctr">
+              <a:buNone/>
+            </a:pPr>
+            <a:r>
+              <a:rPr lang="en-US" sz="2000" dirty="0"/>
+              <a:t>GET /</a:t>
+            </a:r>
+            <a:r>
+              <a:rPr lang="en-US" sz="2000" dirty="0" err="1" smtClean="0"/>
+              <a:t>ind</a:t>
+            </a:r>
+            <a:r>
+              <a:rPr lang="en-US" sz="2000" dirty="0" smtClean="0"/>
+              <a:t>*/_</a:t>
+            </a:r>
+            <a:r>
+              <a:rPr lang="en-US" sz="2000" dirty="0"/>
+              <a:t>search</a:t>
+            </a:r>
+          </a:p>
+          <a:p>
+            <a:pPr marL="0" indent="0" algn="ctr">
+              <a:buNone/>
+            </a:pPr>
+            <a:r>
+              <a:rPr lang="en-US" sz="2000" dirty="0"/>
+              <a:t>GET /index/type1,type2/_search</a:t>
+            </a:r>
+          </a:p>
+          <a:p>
             <a:pPr marL="0" indent="0">
               <a:buNone/>
             </a:pPr>
             <a:endParaRPr lang="en-US" dirty="0" smtClean="0"/>
-          </a:p>
-          <a:p>
-            <a:pPr marL="0" indent="0" algn="ctr">
-              <a:buNone/>
-            </a:pPr>
-            <a:r>
-              <a:rPr lang="en-US" sz="4000" dirty="0">
-                <a:solidFill>
-                  <a:srgbClr val="0070C0"/>
-                </a:solidFill>
-              </a:rPr>
-              <a:t>Exact value vs Full </a:t>
-            </a:r>
-            <a:r>
-              <a:rPr lang="en-US" sz="4000" dirty="0" smtClean="0">
-                <a:solidFill>
-                  <a:srgbClr val="0070C0"/>
-                </a:solidFill>
-              </a:rPr>
-              <a:t>text</a:t>
-            </a:r>
-          </a:p>
-          <a:p>
-            <a:pPr marL="0" indent="0" algn="ctr">
-              <a:buNone/>
-            </a:pPr>
-            <a:r>
-              <a:rPr lang="en-US" sz="2800" dirty="0">
-                <a:solidFill>
-                  <a:schemeClr val="tx1"/>
-                </a:solidFill>
-              </a:rPr>
-              <a:t>Inverted index → separate words / terms</a:t>
-            </a:r>
-          </a:p>
-          <a:p>
-            <a:pPr marL="0" indent="0" algn="ctr">
-              <a:buNone/>
-            </a:pPr>
-            <a:endParaRPr lang="en-US" sz="4000" dirty="0">
-              <a:solidFill>
-                <a:srgbClr val="0070C0"/>
-              </a:solidFill>
-            </a:endParaRPr>
           </a:p>
           <a:p>
             <a:endParaRPr lang="en-US" dirty="0"/>
@@ -4810,7 +4745,7 @@
     </p:spTree>
     <p:extLst>
       <p:ext uri="{BB962C8B-B14F-4D97-AF65-F5344CB8AC3E}">
-        <p14:creationId xmlns:p14="http://schemas.microsoft.com/office/powerpoint/2010/main" val="1670075988"/>
+        <p14:creationId xmlns:p14="http://schemas.microsoft.com/office/powerpoint/2010/main" val="1357517379"/>
       </p:ext>
     </p:extLst>
   </p:cSld>
@@ -4900,12 +4835,20 @@
               <a:buNone/>
             </a:pPr>
             <a:r>
+              <a:rPr lang="en-US" sz="4000" dirty="0">
+                <a:solidFill>
+                  <a:srgbClr val="0070C0"/>
+                </a:solidFill>
+              </a:rPr>
+              <a:t>Exact value vs Full </a:t>
+            </a:r>
+            <a:r>
               <a:rPr lang="en-US" sz="4000" dirty="0" smtClean="0">
                 <a:solidFill>
                   <a:srgbClr val="0070C0"/>
                 </a:solidFill>
               </a:rPr>
-              <a:t>Analysis</a:t>
+              <a:t>text</a:t>
             </a:r>
           </a:p>
           <a:p>
@@ -4913,13 +4856,23 @@
               <a:buNone/>
             </a:pPr>
             <a:r>
-              <a:rPr lang="en-US" sz="4000" dirty="0">
+              <a:rPr lang="en-US" sz="2800" dirty="0">
                 <a:solidFill>
                   <a:schemeClr val="tx1"/>
                 </a:solidFill>
               </a:rPr>
-              <a:t>tokenization + normalization</a:t>
-            </a:r>
+              <a:t>Inverted index → separate words / terms</a:t>
+            </a:r>
+          </a:p>
+          <a:p>
+            <a:pPr marL="0" indent="0" algn="ctr">
+              <a:buNone/>
+            </a:pPr>
+            <a:endParaRPr lang="en-US" sz="4000" dirty="0">
+              <a:solidFill>
+                <a:srgbClr val="0070C0"/>
+              </a:solidFill>
+            </a:endParaRPr>
           </a:p>
           <a:p>
             <a:endParaRPr lang="en-US" dirty="0"/>
@@ -4929,7 +4882,7 @@
     </p:spTree>
     <p:extLst>
       <p:ext uri="{BB962C8B-B14F-4D97-AF65-F5344CB8AC3E}">
-        <p14:creationId xmlns:p14="http://schemas.microsoft.com/office/powerpoint/2010/main" val="2119551030"/>
+        <p14:creationId xmlns:p14="http://schemas.microsoft.com/office/powerpoint/2010/main" val="1670075988"/>
       </p:ext>
     </p:extLst>
   </p:cSld>
@@ -5006,9 +4959,7 @@
         </p:nvSpPr>
         <p:spPr/>
         <p:txBody>
-          <a:bodyPr anchor="ctr">
-            <a:normAutofit/>
-          </a:bodyPr>
+          <a:bodyPr anchor="ctr"/>
           <a:lstStyle/>
           <a:p>
             <a:pPr marL="0" indent="0">
@@ -5021,70 +4972,36 @@
               <a:buNone/>
             </a:pPr>
             <a:r>
+              <a:rPr lang="en-US" sz="4000" dirty="0" smtClean="0">
+                <a:solidFill>
+                  <a:srgbClr val="0070C0"/>
+                </a:solidFill>
+              </a:rPr>
+              <a:t>Analysis</a:t>
+            </a:r>
+          </a:p>
+          <a:p>
+            <a:pPr marL="0" indent="0" algn="ctr">
+              <a:buNone/>
+            </a:pPr>
+            <a:r>
               <a:rPr lang="en-US" sz="4000" dirty="0">
                 <a:solidFill>
-                  <a:srgbClr val="0070C0"/>
+                  <a:schemeClr val="tx1"/>
                 </a:solidFill>
               </a:rPr>
-              <a:t>Anatomy of an </a:t>
-            </a:r>
-            <a:r>
-              <a:rPr lang="en-US" sz="4000" dirty="0" smtClean="0">
-                <a:solidFill>
-                  <a:srgbClr val="0070C0"/>
-                </a:solidFill>
-              </a:rPr>
-              <a:t>analyzer</a:t>
-            </a:r>
-          </a:p>
-          <a:p>
-            <a:pPr marL="0" indent="0" algn="ctr">
-              <a:buNone/>
-            </a:pPr>
-            <a:r>
-              <a:rPr lang="en-US" sz="2200" dirty="0"/>
-              <a:t>An </a:t>
-            </a:r>
-            <a:r>
-              <a:rPr lang="en-US" sz="2200" i="1" dirty="0"/>
-              <a:t>analyzer</a:t>
-            </a:r>
-            <a:r>
-              <a:rPr lang="en-US" sz="2200" dirty="0"/>
-              <a:t>  — whether built-in or custom — is just a package which contains three lower-level building blocks: </a:t>
-            </a:r>
-            <a:r>
-              <a:rPr lang="en-US" sz="2200" i="1" dirty="0"/>
-              <a:t>character filters</a:t>
-            </a:r>
-            <a:r>
-              <a:rPr lang="en-US" sz="2200" dirty="0"/>
-              <a:t>, </a:t>
-            </a:r>
-            <a:r>
-              <a:rPr lang="en-US" sz="2200" i="1" dirty="0"/>
-              <a:t>tokenizers</a:t>
-            </a:r>
-            <a:r>
-              <a:rPr lang="en-US" sz="2200" dirty="0"/>
-              <a:t>, and </a:t>
-            </a:r>
-            <a:r>
-              <a:rPr lang="en-US" sz="2200" i="1" dirty="0"/>
-              <a:t>token filters</a:t>
-            </a:r>
-            <a:r>
-              <a:rPr lang="en-US" sz="2200" dirty="0"/>
-              <a:t>.</a:t>
-            </a:r>
-            <a:endParaRPr lang="en-US" sz="2200" dirty="0"/>
+              <a:t>tokenization + normalization</a:t>
+            </a:r>
+          </a:p>
+          <a:p>
+            <a:endParaRPr lang="en-US" dirty="0"/>
           </a:p>
         </p:txBody>
       </p:sp>
     </p:spTree>
     <p:extLst>
       <p:ext uri="{BB962C8B-B14F-4D97-AF65-F5344CB8AC3E}">
-        <p14:creationId xmlns:p14="http://schemas.microsoft.com/office/powerpoint/2010/main" val="1334501640"/>
+        <p14:creationId xmlns:p14="http://schemas.microsoft.com/office/powerpoint/2010/main" val="2119551030"/>
       </p:ext>
     </p:extLst>
   </p:cSld>
@@ -5134,9 +5051,18 @@
           <a:lstStyle/>
           <a:p>
             <a:r>
+              <a:rPr lang="en-US" dirty="0" smtClean="0"/>
+              <a:t>What </a:t>
+            </a:r>
+            <a:r>
               <a:rPr lang="en-US" dirty="0"/>
-              <a:t>What you said schema-free !!!</a:t>
-            </a:r>
+              <a:t>you </a:t>
+            </a:r>
+            <a:r>
+              <a:rPr lang="en-US" dirty="0" smtClean="0"/>
+              <a:t>said schema-free !!!</a:t>
+            </a:r>
+            <a:endParaRPr lang="en-US" dirty="0"/>
           </a:p>
         </p:txBody>
       </p:sp>
@@ -5152,135 +5078,76 @@
         </p:nvSpPr>
         <p:spPr/>
         <p:txBody>
-          <a:bodyPr/>
+          <a:bodyPr anchor="ctr">
+            <a:normAutofit/>
+          </a:bodyPr>
           <a:lstStyle/>
           <a:p>
+            <a:pPr marL="0" indent="0">
+              <a:buNone/>
+            </a:pPr>
+            <a:endParaRPr lang="en-US" dirty="0" smtClean="0"/>
+          </a:p>
+          <a:p>
             <a:pPr marL="0" indent="0" algn="ctr">
               <a:buNone/>
             </a:pPr>
             <a:r>
-              <a:rPr lang="en-US" sz="2000" dirty="0"/>
-              <a:t>Strings:         string </a:t>
-            </a:r>
-            <a:endParaRPr lang="en-US" sz="2000" dirty="0" smtClean="0"/>
+              <a:rPr lang="en-US" sz="4000" dirty="0">
+                <a:solidFill>
+                  <a:srgbClr val="0070C0"/>
+                </a:solidFill>
+              </a:rPr>
+              <a:t>Anatomy of an </a:t>
+            </a:r>
+            <a:r>
+              <a:rPr lang="en-US" sz="4000" dirty="0" smtClean="0">
+                <a:solidFill>
+                  <a:srgbClr val="0070C0"/>
+                </a:solidFill>
+              </a:rPr>
+              <a:t>analyzer</a:t>
+            </a:r>
           </a:p>
           <a:p>
             <a:pPr marL="0" indent="0" algn="ctr">
               <a:buNone/>
             </a:pPr>
             <a:r>
-              <a:rPr lang="en-US" sz="2000" dirty="0" err="1" smtClean="0"/>
-              <a:t>Datetimes</a:t>
-            </a:r>
-            <a:r>
-              <a:rPr lang="en-US" sz="2000" dirty="0"/>
-              <a:t>:       date </a:t>
-            </a:r>
-            <a:endParaRPr lang="en-US" sz="2000" dirty="0" smtClean="0"/>
-          </a:p>
-          <a:p>
-            <a:pPr marL="0" indent="0" algn="ctr">
-              <a:buNone/>
-            </a:pPr>
-            <a:r>
-              <a:rPr lang="en-US" sz="2000" dirty="0" smtClean="0"/>
-              <a:t>Whole </a:t>
-            </a:r>
-            <a:r>
-              <a:rPr lang="en-US" sz="2000" dirty="0"/>
-              <a:t>numbers:   byte, short, integer, long </a:t>
-            </a:r>
-            <a:endParaRPr lang="en-US" sz="2000" dirty="0" smtClean="0"/>
-          </a:p>
-          <a:p>
-            <a:pPr marL="0" indent="0" algn="ctr">
-              <a:buNone/>
-            </a:pPr>
-            <a:r>
-              <a:rPr lang="en-US" sz="2000" dirty="0" smtClean="0"/>
-              <a:t>Floats</a:t>
-            </a:r>
-            <a:r>
-              <a:rPr lang="en-US" sz="2000" dirty="0"/>
-              <a:t>:          float, double </a:t>
-            </a:r>
-            <a:endParaRPr lang="en-US" sz="2000" dirty="0" smtClean="0"/>
-          </a:p>
-          <a:p>
-            <a:pPr marL="0" indent="0" algn="ctr">
-              <a:buNone/>
-            </a:pPr>
-            <a:r>
-              <a:rPr lang="en-US" sz="2000" dirty="0" smtClean="0"/>
-              <a:t>Booleans</a:t>
-            </a:r>
-            <a:r>
-              <a:rPr lang="en-US" sz="2000" dirty="0"/>
-              <a:t>:        </a:t>
-            </a:r>
-            <a:r>
-              <a:rPr lang="en-US" sz="2000" dirty="0" err="1"/>
-              <a:t>boolean</a:t>
-            </a:r>
-            <a:r>
-              <a:rPr lang="en-US" sz="2000" dirty="0"/>
-              <a:t> </a:t>
-            </a:r>
-            <a:endParaRPr lang="en-US" sz="2000" dirty="0" smtClean="0"/>
-          </a:p>
-          <a:p>
-            <a:pPr marL="0" indent="0" algn="ctr">
-              <a:buNone/>
-            </a:pPr>
-            <a:r>
-              <a:rPr lang="en-US" sz="2000" dirty="0" smtClean="0"/>
-              <a:t>Objects</a:t>
-            </a:r>
-            <a:r>
-              <a:rPr lang="en-US" sz="2000" dirty="0"/>
-              <a:t>:         object</a:t>
-            </a:r>
-            <a:endParaRPr lang="en-US" dirty="0" smtClean="0"/>
-          </a:p>
-          <a:p>
-            <a:pPr marL="0" indent="0" algn="ctr">
-              <a:buNone/>
-            </a:pPr>
-            <a:r>
-              <a:rPr lang="en-US" sz="2000" dirty="0"/>
-              <a:t>Also: </a:t>
-            </a:r>
-            <a:r>
-              <a:rPr lang="en-US" sz="2000" dirty="0" err="1"/>
-              <a:t>multi_field</a:t>
-            </a:r>
-            <a:r>
-              <a:rPr lang="en-US" sz="2000" dirty="0"/>
-              <a:t>, </a:t>
-            </a:r>
-            <a:r>
-              <a:rPr lang="en-US" sz="2000" dirty="0" err="1"/>
-              <a:t>ip</a:t>
-            </a:r>
-            <a:r>
-              <a:rPr lang="en-US" sz="2000" dirty="0"/>
-              <a:t>, </a:t>
-            </a:r>
-            <a:r>
-              <a:rPr lang="en-US" sz="2000" dirty="0" err="1"/>
-              <a:t>geo_point</a:t>
-            </a:r>
-            <a:r>
-              <a:rPr lang="en-US" sz="2000" dirty="0"/>
-              <a:t>, </a:t>
-            </a:r>
-            <a:r>
-              <a:rPr lang="en-US" sz="2000" dirty="0" err="1"/>
-              <a:t>geo_shape</a:t>
-            </a:r>
-            <a:r>
-              <a:rPr lang="en-US" dirty="0"/>
-              <a:t>, </a:t>
+              <a:rPr lang="en-US" sz="2200" dirty="0"/>
+              <a:t>An </a:t>
+            </a:r>
+            <a:r>
+              <a:rPr lang="en-US" sz="2200" i="1" dirty="0"/>
+              <a:t>analyzer</a:t>
+            </a:r>
+            <a:r>
+              <a:rPr lang="en-US" sz="2200" dirty="0"/>
+              <a:t>  — whether built-in or custom — is just a package which contains three lower-level building blocks: </a:t>
+            </a:r>
+            <a:r>
+              <a:rPr lang="en-US" sz="2200" i="1" dirty="0"/>
+              <a:t>character filters</a:t>
+            </a:r>
+            <a:r>
+              <a:rPr lang="en-US" sz="2200" dirty="0"/>
+              <a:t>, </a:t>
+            </a:r>
+            <a:r>
+              <a:rPr lang="en-US" sz="2200" i="1" dirty="0"/>
+              <a:t>tokenizers</a:t>
+            </a:r>
+            <a:r>
+              <a:rPr lang="en-US" sz="2200" dirty="0"/>
+              <a:t>, and </a:t>
+            </a:r>
+            <a:r>
+              <a:rPr lang="en-US" sz="2200" i="1" dirty="0"/>
+              <a:t>token filters</a:t>
+            </a:r>
+            <a:r>
+              <a:rPr lang="en-US" sz="2200" dirty="0"/>
+              <a:t>.</a:t>
             </a:r>
           </a:p>
         </p:txBody>
@@ -5288,7 +5155,7 @@
     </p:spTree>
     <p:extLst>
       <p:ext uri="{BB962C8B-B14F-4D97-AF65-F5344CB8AC3E}">
-        <p14:creationId xmlns:p14="http://schemas.microsoft.com/office/powerpoint/2010/main" val="1278714966"/>
+        <p14:creationId xmlns:p14="http://schemas.microsoft.com/office/powerpoint/2010/main" val="1334501640"/>
       </p:ext>
     </p:extLst>
   </p:cSld>
@@ -5324,6 +5191,210 @@
       </p:grpSpPr>
       <p:sp>
         <p:nvSpPr>
+          <p:cNvPr id="2" name="Title 1"/>
+          <p:cNvSpPr>
+            <a:spLocks noGrp="1"/>
+          </p:cNvSpPr>
+          <p:nvPr>
+            <p:ph type="title"/>
+          </p:nvPr>
+        </p:nvSpPr>
+        <p:spPr/>
+        <p:txBody>
+          <a:bodyPr/>
+          <a:lstStyle/>
+          <a:p>
+            <a:r>
+              <a:rPr lang="en-US" dirty="0"/>
+              <a:t>What you said schema-free !!!</a:t>
+            </a:r>
+          </a:p>
+        </p:txBody>
+      </p:sp>
+      <p:sp>
+        <p:nvSpPr>
+          <p:cNvPr id="3" name="Text Placeholder 2"/>
+          <p:cNvSpPr>
+            <a:spLocks noGrp="1"/>
+          </p:cNvSpPr>
+          <p:nvPr>
+            <p:ph type="body" sz="quarter" idx="10"/>
+          </p:nvPr>
+        </p:nvSpPr>
+        <p:spPr/>
+        <p:txBody>
+          <a:bodyPr/>
+          <a:lstStyle/>
+          <a:p>
+            <a:pPr marL="0" indent="0" algn="ctr">
+              <a:buNone/>
+            </a:pPr>
+            <a:r>
+              <a:rPr lang="en-US" sz="2000" dirty="0"/>
+              <a:t>Strings:         string </a:t>
+            </a:r>
+            <a:endParaRPr lang="en-US" sz="2000" dirty="0" smtClean="0"/>
+          </a:p>
+          <a:p>
+            <a:pPr marL="0" indent="0" algn="ctr">
+              <a:buNone/>
+            </a:pPr>
+            <a:r>
+              <a:rPr lang="en-US" sz="2000" dirty="0" err="1" smtClean="0"/>
+              <a:t>Datetimes</a:t>
+            </a:r>
+            <a:r>
+              <a:rPr lang="en-US" sz="2000" dirty="0"/>
+              <a:t>:       date </a:t>
+            </a:r>
+            <a:endParaRPr lang="en-US" sz="2000" dirty="0" smtClean="0"/>
+          </a:p>
+          <a:p>
+            <a:pPr marL="0" indent="0" algn="ctr">
+              <a:buNone/>
+            </a:pPr>
+            <a:r>
+              <a:rPr lang="en-US" sz="2000" dirty="0" smtClean="0"/>
+              <a:t>Whole </a:t>
+            </a:r>
+            <a:r>
+              <a:rPr lang="en-US" sz="2000" dirty="0"/>
+              <a:t>numbers:   byte, short, integer, long </a:t>
+            </a:r>
+            <a:endParaRPr lang="en-US" sz="2000" dirty="0" smtClean="0"/>
+          </a:p>
+          <a:p>
+            <a:pPr marL="0" indent="0" algn="ctr">
+              <a:buNone/>
+            </a:pPr>
+            <a:r>
+              <a:rPr lang="en-US" sz="2000" dirty="0" smtClean="0"/>
+              <a:t>Floats</a:t>
+            </a:r>
+            <a:r>
+              <a:rPr lang="en-US" sz="2000" dirty="0"/>
+              <a:t>:          float, double </a:t>
+            </a:r>
+            <a:endParaRPr lang="en-US" sz="2000" dirty="0" smtClean="0"/>
+          </a:p>
+          <a:p>
+            <a:pPr marL="0" indent="0" algn="ctr">
+              <a:buNone/>
+            </a:pPr>
+            <a:r>
+              <a:rPr lang="en-US" sz="2000" dirty="0" smtClean="0"/>
+              <a:t>Booleans</a:t>
+            </a:r>
+            <a:r>
+              <a:rPr lang="en-US" sz="2000" dirty="0"/>
+              <a:t>:        </a:t>
+            </a:r>
+            <a:r>
+              <a:rPr lang="en-US" sz="2000" dirty="0" err="1"/>
+              <a:t>boolean</a:t>
+            </a:r>
+            <a:r>
+              <a:rPr lang="en-US" sz="2000" dirty="0"/>
+              <a:t> </a:t>
+            </a:r>
+            <a:endParaRPr lang="en-US" sz="2000" dirty="0" smtClean="0"/>
+          </a:p>
+          <a:p>
+            <a:pPr marL="0" indent="0" algn="ctr">
+              <a:buNone/>
+            </a:pPr>
+            <a:r>
+              <a:rPr lang="en-US" sz="2000" dirty="0" smtClean="0"/>
+              <a:t>Objects</a:t>
+            </a:r>
+            <a:r>
+              <a:rPr lang="en-US" sz="2000" dirty="0"/>
+              <a:t>:         object</a:t>
+            </a:r>
+            <a:endParaRPr lang="en-US" dirty="0" smtClean="0"/>
+          </a:p>
+          <a:p>
+            <a:pPr marL="0" indent="0" algn="ctr">
+              <a:buNone/>
+            </a:pPr>
+            <a:r>
+              <a:rPr lang="en-US" sz="2000" dirty="0"/>
+              <a:t>Also: </a:t>
+            </a:r>
+            <a:r>
+              <a:rPr lang="en-US" sz="2000" dirty="0" err="1"/>
+              <a:t>multi_field</a:t>
+            </a:r>
+            <a:r>
+              <a:rPr lang="en-US" sz="2000" dirty="0"/>
+              <a:t>, </a:t>
+            </a:r>
+            <a:r>
+              <a:rPr lang="en-US" sz="2000" dirty="0" err="1"/>
+              <a:t>ip</a:t>
+            </a:r>
+            <a:r>
+              <a:rPr lang="en-US" sz="2000" dirty="0"/>
+              <a:t>, </a:t>
+            </a:r>
+            <a:r>
+              <a:rPr lang="en-US" sz="2000" dirty="0" err="1"/>
+              <a:t>geo_point</a:t>
+            </a:r>
+            <a:r>
+              <a:rPr lang="en-US" sz="2000" dirty="0"/>
+              <a:t>, </a:t>
+            </a:r>
+            <a:r>
+              <a:rPr lang="en-US" sz="2000" dirty="0" err="1"/>
+              <a:t>geo_shape</a:t>
+            </a:r>
+            <a:r>
+              <a:rPr lang="en-US" dirty="0"/>
+              <a:t>, </a:t>
+            </a:r>
+          </a:p>
+        </p:txBody>
+      </p:sp>
+    </p:spTree>
+    <p:extLst>
+      <p:ext uri="{BB962C8B-B14F-4D97-AF65-F5344CB8AC3E}">
+        <p14:creationId xmlns:p14="http://schemas.microsoft.com/office/powerpoint/2010/main" val="1278714966"/>
+      </p:ext>
+    </p:extLst>
+  </p:cSld>
+  <p:clrMapOvr>
+    <a:masterClrMapping/>
+  </p:clrMapOvr>
+  <p:timing>
+    <p:tnLst>
+      <p:par>
+        <p:cTn id="1" dur="indefinite" restart="never" nodeType="tmRoot"/>
+      </p:par>
+    </p:tnLst>
+  </p:timing>
+</p:sld>
+</file>
+
+<file path=ppt/slides/slide37.xml><?xml version="1.0" encoding="utf-8"?>
+<p:sld xmlns:a="http://schemas.openxmlformats.org/drawingml/2006/main" xmlns:r="http://schemas.openxmlformats.org/officeDocument/2006/relationships" xmlns:p="http://schemas.openxmlformats.org/presentationml/2006/main">
+  <p:cSld>
+    <p:spTree>
+      <p:nvGrpSpPr>
+        <p:cNvPr id="1" name=""/>
+        <p:cNvGrpSpPr/>
+        <p:nvPr/>
+      </p:nvGrpSpPr>
+      <p:grpSpPr>
+        <a:xfrm>
+          <a:off x="0" y="0"/>
+          <a:ext cx="0" cy="0"/>
+          <a:chOff x="0" y="0"/>
+          <a:chExt cx="0" cy="0"/>
+        </a:xfrm>
+      </p:grpSpPr>
+      <p:sp>
+        <p:nvSpPr>
           <p:cNvPr id="3" name="Text Placeholder 2"/>
           <p:cNvSpPr>
             <a:spLocks noGrp="1"/>
@@ -5371,7 +5442,7 @@
 </p:sld>
 </file>
 
-<file path=ppt/slides/slide37.xml><?xml version="1.0" encoding="utf-8"?>
+<file path=ppt/slides/slide38.xml><?xml version="1.0" encoding="utf-8"?>
 <p:sld xmlns:a="http://schemas.openxmlformats.org/drawingml/2006/main" xmlns:r="http://schemas.openxmlformats.org/officeDocument/2006/relationships" xmlns:p="http://schemas.openxmlformats.org/presentationml/2006/main">
   <p:cSld>
     <p:spTree>
@@ -5751,6 +5822,13 @@
   <p:clrMapOvr>
     <a:masterClrMapping/>
   </p:clrMapOvr>
+  <p:timing>
+    <p:tnLst>
+      <p:par>
+        <p:cTn id="1" dur="indefinite" restart="never" nodeType="tmRoot"/>
+      </p:par>
+    </p:tnLst>
+  </p:timing>
 </p:sld>
 </file>
 
